--- a/Presentatie/Presentatie.pptx
+++ b/Presentatie/Presentatie.pptx
@@ -12817,6 +12817,14 @@
             </a:r>
             <a:r>
               <a:rPr lang="nl-BE" dirty="0"/>
+              <a:t> </a:t>
+            </a:r>
+            <a:r>
+              <a:rPr lang="nl-BE" dirty="0" err="1"/>
+              <a:t>functions</a:t>
+            </a:r>
+            <a:r>
+              <a:rPr lang="nl-BE" dirty="0"/>
               <a:t>:</a:t>
             </a:r>
           </a:p>
@@ -12854,6 +12862,34 @@
             <a:r>
               <a:rPr lang="nl-BE" dirty="0" err="1"/>
               <a:t>all</a:t>
+            </a:r>
+            <a:endParaRPr lang="nl-BE" dirty="0"/>
+          </a:p>
+          <a:p>
+            <a:pPr lvl="1"/>
+            <a:r>
+              <a:rPr lang="nl-BE" dirty="0"/>
+              <a:t>Buffer </a:t>
+            </a:r>
+            <a:r>
+              <a:rPr lang="nl-BE" dirty="0" err="1"/>
+              <a:t>to</a:t>
+            </a:r>
+            <a:r>
+              <a:rPr lang="nl-BE" dirty="0"/>
+              <a:t> crypto: 645 </a:t>
+            </a:r>
+            <a:r>
+              <a:rPr lang="nl-BE" dirty="0" err="1"/>
+              <a:t>chars</a:t>
+            </a:r>
+            <a:endParaRPr lang="nl-BE" dirty="0"/>
+          </a:p>
+          <a:p>
+            <a:pPr lvl="2"/>
+            <a:r>
+              <a:rPr lang="nl-BE"/>
+              <a:t>Delay: </a:t>
             </a:r>
             <a:endParaRPr lang="en-US" dirty="0"/>
           </a:p>

--- a/Presentatie/Presentatie.pptx
+++ b/Presentatie/Presentatie.pptx
@@ -12877,7 +12877,7 @@
             </a:r>
             <a:r>
               <a:rPr lang="nl-BE" dirty="0"/>
-              <a:t> crypto: 645 </a:t>
+              <a:t> crypto: 15*40= 600 </a:t>
             </a:r>
             <a:r>
               <a:rPr lang="nl-BE" dirty="0" err="1"/>
@@ -12888,8 +12888,12 @@
           <a:p>
             <a:pPr lvl="2"/>
             <a:r>
+              <a:rPr lang="nl-BE" dirty="0"/>
+              <a:t>Delay</a:t>
+            </a:r>
+            <a:r>
               <a:rPr lang="nl-BE"/>
-              <a:t>Delay: </a:t>
+              <a:t>: 100ms</a:t>
             </a:r>
             <a:endParaRPr lang="en-US" dirty="0"/>
           </a:p>

--- a/Presentatie/Presentatie.pptx
+++ b/Presentatie/Presentatie.pptx
@@ -639,7 +639,7 @@
           <a:p>
             <a:fld id="{A24EF1B0-8D48-4F34-B819-7245FD8B9663}" type="slidenum">
               <a:rPr lang="en-US" smtClean="0"/>
-              <a:t>18</a:t>
+              <a:t>17</a:t>
             </a:fld>
             <a:endParaRPr lang="en-US"/>
           </a:p>
@@ -648,7 +648,7 @@
     </p:spTree>
     <p:extLst>
       <p:ext uri="{BB962C8B-B14F-4D97-AF65-F5344CB8AC3E}">
-        <p14:creationId xmlns:p14="http://schemas.microsoft.com/office/powerpoint/2010/main" val="2958474266"/>
+        <p14:creationId xmlns:p14="http://schemas.microsoft.com/office/powerpoint/2010/main" val="1399273480"/>
       </p:ext>
     </p:extLst>
   </p:cSld>
@@ -704,6 +704,94 @@
           <a:p>
             <a:r>
               <a:rPr lang="nl-BE" dirty="0"/>
+              <a:t>NU WEL PER FUNCTIE</a:t>
+            </a:r>
+            <a:endParaRPr lang="en-US" dirty="0"/>
+          </a:p>
+        </p:txBody>
+      </p:sp>
+      <p:sp>
+        <p:nvSpPr>
+          <p:cNvPr id="4" name="Slide Number Placeholder 3"/>
+          <p:cNvSpPr>
+            <a:spLocks noGrp="1"/>
+          </p:cNvSpPr>
+          <p:nvPr>
+            <p:ph type="sldNum" sz="quarter" idx="10"/>
+          </p:nvPr>
+        </p:nvSpPr>
+        <p:spPr/>
+        <p:txBody>
+          <a:bodyPr/>
+          <a:lstStyle/>
+          <a:p>
+            <a:fld id="{A24EF1B0-8D48-4F34-B819-7245FD8B9663}" type="slidenum">
+              <a:rPr lang="en-US" smtClean="0"/>
+              <a:t>18</a:t>
+            </a:fld>
+            <a:endParaRPr lang="en-US"/>
+          </a:p>
+        </p:txBody>
+      </p:sp>
+    </p:spTree>
+    <p:extLst>
+      <p:ext uri="{BB962C8B-B14F-4D97-AF65-F5344CB8AC3E}">
+        <p14:creationId xmlns:p14="http://schemas.microsoft.com/office/powerpoint/2010/main" val="2958474266"/>
+      </p:ext>
+    </p:extLst>
+  </p:cSld>
+  <p:clrMapOvr>
+    <a:masterClrMapping/>
+  </p:clrMapOvr>
+</p:notes>
+</file>
+
+<file path=ppt/notesSlides/notesSlide12.xml><?xml version="1.0" encoding="utf-8"?>
+<p:notes xmlns:a="http://schemas.openxmlformats.org/drawingml/2006/main" xmlns:r="http://schemas.openxmlformats.org/officeDocument/2006/relationships" xmlns:p="http://schemas.openxmlformats.org/presentationml/2006/main">
+  <p:cSld>
+    <p:spTree>
+      <p:nvGrpSpPr>
+        <p:cNvPr id="1" name=""/>
+        <p:cNvGrpSpPr/>
+        <p:nvPr/>
+      </p:nvGrpSpPr>
+      <p:grpSpPr>
+        <a:xfrm>
+          <a:off x="0" y="0"/>
+          <a:ext cx="0" cy="0"/>
+          <a:chOff x="0" y="0"/>
+          <a:chExt cx="0" cy="0"/>
+        </a:xfrm>
+      </p:grpSpPr>
+      <p:sp>
+        <p:nvSpPr>
+          <p:cNvPr id="2" name="Slide Image Placeholder 1"/>
+          <p:cNvSpPr>
+            <a:spLocks noGrp="1" noRot="1" noChangeAspect="1"/>
+          </p:cNvSpPr>
+          <p:nvPr>
+            <p:ph type="sldImg"/>
+          </p:nvPr>
+        </p:nvSpPr>
+        <p:spPr/>
+      </p:sp>
+      <p:sp>
+        <p:nvSpPr>
+          <p:cNvPr id="3" name="Notes Placeholder 2"/>
+          <p:cNvSpPr>
+            <a:spLocks noGrp="1"/>
+          </p:cNvSpPr>
+          <p:nvPr>
+            <p:ph type="body" idx="1"/>
+          </p:nvPr>
+        </p:nvSpPr>
+        <p:spPr/>
+        <p:txBody>
+          <a:bodyPr/>
+          <a:lstStyle/>
+          <a:p>
+            <a:r>
+              <a:rPr lang="nl-BE" dirty="0"/>
               <a:t>TERUG OP TOTAAL</a:t>
             </a:r>
           </a:p>
@@ -786,7 +874,7 @@
 </p:notes>
 </file>
 
-<file path=ppt/notesSlides/notesSlide12.xml><?xml version="1.0" encoding="utf-8"?>
+<file path=ppt/notesSlides/notesSlide13.xml><?xml version="1.0" encoding="utf-8"?>
 <p:notes xmlns:a="http://schemas.openxmlformats.org/drawingml/2006/main" xmlns:r="http://schemas.openxmlformats.org/officeDocument/2006/relationships" xmlns:p="http://schemas.openxmlformats.org/presentationml/2006/main">
   <p:cSld>
     <p:spTree>
@@ -1537,10 +1625,107 @@
           <a:lstStyle/>
           <a:p>
             <a:r>
-              <a:rPr lang="nl-BE" dirty="0"/>
-              <a:t>Percentages op totaal en niet op de aangepaste functie</a:t>
-            </a:r>
-            <a:endParaRPr lang="en-US" dirty="0"/>
+              <a:rPr lang="en-GB" dirty="0"/>
+              <a:t>Removed: </a:t>
+            </a:r>
+          </a:p>
+          <a:p>
+            <a:r>
+              <a:rPr lang="nl-BE" dirty="0">
+                <a:sym typeface="Wingdings" panose="05000000000000000000" pitchFamily="2" charset="2"/>
+              </a:rPr>
+              <a:t>Output </a:t>
+            </a:r>
+            <a:r>
+              <a:rPr lang="nl-BE" dirty="0" err="1">
+                <a:sym typeface="Wingdings" panose="05000000000000000000" pitchFamily="2" charset="2"/>
+              </a:rPr>
+              <a:t>checked</a:t>
+            </a:r>
+            <a:r>
+              <a:rPr lang="nl-BE" dirty="0">
+                <a:sym typeface="Wingdings" panose="05000000000000000000" pitchFamily="2" charset="2"/>
+              </a:rPr>
+              <a:t> </a:t>
+            </a:r>
+            <a:r>
+              <a:rPr lang="nl-BE" dirty="0" err="1">
+                <a:sym typeface="Wingdings" panose="05000000000000000000" pitchFamily="2" charset="2"/>
+              </a:rPr>
+              <a:t>with</a:t>
+            </a:r>
+            <a:r>
+              <a:rPr lang="nl-BE" dirty="0">
+                <a:sym typeface="Wingdings" panose="05000000000000000000" pitchFamily="2" charset="2"/>
+              </a:rPr>
+              <a:t> MATLAB</a:t>
+            </a:r>
+          </a:p>
+          <a:p>
+            <a:pPr lvl="1"/>
+            <a:r>
+              <a:rPr lang="nl-BE" dirty="0" err="1">
+                <a:sym typeface="Wingdings" panose="05000000000000000000" pitchFamily="2" charset="2"/>
+              </a:rPr>
+              <a:t>Results</a:t>
+            </a:r>
+            <a:r>
+              <a:rPr lang="nl-BE" dirty="0">
+                <a:sym typeface="Wingdings" panose="05000000000000000000" pitchFamily="2" charset="2"/>
+              </a:rPr>
+              <a:t> are </a:t>
+            </a:r>
+            <a:r>
+              <a:rPr lang="nl-BE" dirty="0" err="1">
+                <a:sym typeface="Wingdings" panose="05000000000000000000" pitchFamily="2" charset="2"/>
+              </a:rPr>
+              <a:t>the</a:t>
+            </a:r>
+            <a:r>
+              <a:rPr lang="nl-BE" dirty="0">
+                <a:sym typeface="Wingdings" panose="05000000000000000000" pitchFamily="2" charset="2"/>
+              </a:rPr>
+              <a:t> </a:t>
+            </a:r>
+            <a:r>
+              <a:rPr lang="nl-BE" dirty="0" err="1">
+                <a:sym typeface="Wingdings" panose="05000000000000000000" pitchFamily="2" charset="2"/>
+              </a:rPr>
+              <a:t>same</a:t>
+            </a:r>
+            <a:r>
+              <a:rPr lang="nl-BE" dirty="0">
+                <a:sym typeface="Wingdings" panose="05000000000000000000" pitchFamily="2" charset="2"/>
+              </a:rPr>
+              <a:t> down </a:t>
+            </a:r>
+            <a:r>
+              <a:rPr lang="nl-BE" dirty="0" err="1">
+                <a:sym typeface="Wingdings" panose="05000000000000000000" pitchFamily="2" charset="2"/>
+              </a:rPr>
+              <a:t>to</a:t>
+            </a:r>
+            <a:r>
+              <a:rPr lang="nl-BE" dirty="0">
+                <a:sym typeface="Wingdings" panose="05000000000000000000" pitchFamily="2" charset="2"/>
+              </a:rPr>
+              <a:t> </a:t>
+            </a:r>
+            <a:r>
+              <a:rPr lang="nl-BE" dirty="0" err="1">
+                <a:sym typeface="Wingdings" panose="05000000000000000000" pitchFamily="2" charset="2"/>
+              </a:rPr>
+              <a:t>the</a:t>
+            </a:r>
+            <a:r>
+              <a:rPr lang="nl-BE" dirty="0">
+                <a:sym typeface="Wingdings" panose="05000000000000000000" pitchFamily="2" charset="2"/>
+              </a:rPr>
+              <a:t> last bit</a:t>
+            </a:r>
+          </a:p>
+          <a:p>
+            <a:endParaRPr lang="en-GB" dirty="0"/>
           </a:p>
         </p:txBody>
       </p:sp>
@@ -1561,7 +1746,7 @@
           <a:p>
             <a:fld id="{A24EF1B0-8D48-4F34-B819-7245FD8B9663}" type="slidenum">
               <a:rPr lang="en-US" smtClean="0"/>
-              <a:t>14</a:t>
+              <a:t>12</a:t>
             </a:fld>
             <a:endParaRPr lang="en-US"/>
           </a:p>
@@ -1570,7 +1755,7 @@
     </p:spTree>
     <p:extLst>
       <p:ext uri="{BB962C8B-B14F-4D97-AF65-F5344CB8AC3E}">
-        <p14:creationId xmlns:p14="http://schemas.microsoft.com/office/powerpoint/2010/main" val="925083519"/>
+        <p14:creationId xmlns:p14="http://schemas.microsoft.com/office/powerpoint/2010/main" val="75769699"/>
       </p:ext>
     </p:extLst>
   </p:cSld>
@@ -1628,101 +1813,6 @@
               <a:rPr lang="nl-BE" dirty="0"/>
               <a:t>Percentages op totaal en niet op de aangepaste functie</a:t>
             </a:r>
-            <a:br>
-              <a:rPr lang="nl-BE" dirty="0"/>
-            </a:br>
-            <a:br>
-              <a:rPr lang="nl-BE" dirty="0"/>
-            </a:br>
-            <a:r>
-              <a:rPr lang="nl-BE" dirty="0" err="1"/>
-              <a:t>Removed</a:t>
-            </a:r>
-            <a:r>
-              <a:rPr lang="nl-BE" baseline="0" dirty="0"/>
-              <a:t> </a:t>
-            </a:r>
-            <a:r>
-              <a:rPr lang="nl-BE" baseline="0" dirty="0" err="1"/>
-              <a:t>because</a:t>
-            </a:r>
-            <a:r>
-              <a:rPr lang="nl-BE" baseline="0" dirty="0"/>
-              <a:t> </a:t>
-            </a:r>
-            <a:r>
-              <a:rPr lang="nl-BE" baseline="0" dirty="0" err="1"/>
-              <a:t>mentioned</a:t>
-            </a:r>
-            <a:r>
-              <a:rPr lang="nl-BE" baseline="0" dirty="0"/>
-              <a:t> later:</a:t>
-            </a:r>
-            <a:endParaRPr lang="nl-BE" dirty="0"/>
-          </a:p>
-          <a:p>
-            <a:r>
-              <a:rPr lang="en-US" dirty="0">
-                <a:sym typeface="Wingdings" panose="05000000000000000000" pitchFamily="2" charset="2"/>
-              </a:rPr>
-              <a:t>Test inline:</a:t>
-            </a:r>
-          </a:p>
-          <a:p>
-            <a:pPr lvl="1"/>
-            <a:r>
-              <a:rPr lang="en-US" dirty="0" err="1">
-                <a:sym typeface="Wingdings" panose="05000000000000000000" pitchFamily="2" charset="2"/>
-              </a:rPr>
-              <a:t>Synthesis+analysis</a:t>
-            </a:r>
-            <a:r>
-              <a:rPr lang="en-US" dirty="0">
-                <a:sym typeface="Wingdings" panose="05000000000000000000" pitchFamily="2" charset="2"/>
-              </a:rPr>
-              <a:t> fully </a:t>
-            </a:r>
-            <a:r>
-              <a:rPr lang="en-US" dirty="0" err="1">
-                <a:sym typeface="Wingdings" panose="05000000000000000000" pitchFamily="2" charset="2"/>
-              </a:rPr>
-              <a:t>inlined</a:t>
-            </a:r>
-            <a:r>
-              <a:rPr lang="en-US" dirty="0">
-                <a:sym typeface="Wingdings" panose="05000000000000000000" pitchFamily="2" charset="2"/>
-              </a:rPr>
-              <a:t>:</a:t>
-            </a:r>
-          </a:p>
-          <a:p>
-            <a:pPr lvl="2"/>
-            <a:r>
-              <a:rPr lang="en-US" dirty="0">
-                <a:sym typeface="Wingdings" panose="05000000000000000000" pitchFamily="2" charset="2"/>
-              </a:rPr>
-              <a:t>300k better (~5%)</a:t>
-            </a:r>
-          </a:p>
-          <a:p>
-            <a:pPr lvl="2"/>
-            <a:r>
-              <a:rPr lang="en-US" dirty="0">
-                <a:sym typeface="Wingdings" panose="05000000000000000000" pitchFamily="2" charset="2"/>
-              </a:rPr>
-              <a:t>At this point not worth it</a:t>
-            </a:r>
-          </a:p>
-          <a:p>
-            <a:pPr lvl="3"/>
-            <a:r>
-              <a:rPr lang="en-US" sz="2000" dirty="0">
-                <a:sym typeface="Wingdings" panose="05000000000000000000" pitchFamily="2" charset="2"/>
-              </a:rPr>
-              <a:t>Reverted for space and readability/manageability</a:t>
-            </a:r>
-          </a:p>
-          <a:p>
             <a:endParaRPr lang="en-US" dirty="0"/>
           </a:p>
         </p:txBody>
@@ -1744,7 +1834,7 @@
           <a:p>
             <a:fld id="{A24EF1B0-8D48-4F34-B819-7245FD8B9663}" type="slidenum">
               <a:rPr lang="en-US" smtClean="0"/>
-              <a:t>15</a:t>
+              <a:t>14</a:t>
             </a:fld>
             <a:endParaRPr lang="en-US"/>
           </a:p>
@@ -1753,7 +1843,7 @@
     </p:spTree>
     <p:extLst>
       <p:ext uri="{BB962C8B-B14F-4D97-AF65-F5344CB8AC3E}">
-        <p14:creationId xmlns:p14="http://schemas.microsoft.com/office/powerpoint/2010/main" val="2518672654"/>
+        <p14:creationId xmlns:p14="http://schemas.microsoft.com/office/powerpoint/2010/main" val="925083519"/>
       </p:ext>
     </p:extLst>
   </p:cSld>
@@ -1809,8 +1899,103 @@
           <a:p>
             <a:r>
               <a:rPr lang="nl-BE" dirty="0"/>
-              <a:t>NU WEL PER FUNCTIE</a:t>
-            </a:r>
+              <a:t>Percentages op totaal en niet op de aangepaste functie</a:t>
+            </a:r>
+            <a:br>
+              <a:rPr lang="nl-BE" dirty="0"/>
+            </a:br>
+            <a:br>
+              <a:rPr lang="nl-BE" dirty="0"/>
+            </a:br>
+            <a:r>
+              <a:rPr lang="nl-BE" dirty="0" err="1"/>
+              <a:t>Removed</a:t>
+            </a:r>
+            <a:r>
+              <a:rPr lang="nl-BE" baseline="0" dirty="0"/>
+              <a:t> </a:t>
+            </a:r>
+            <a:r>
+              <a:rPr lang="nl-BE" baseline="0" dirty="0" err="1"/>
+              <a:t>because</a:t>
+            </a:r>
+            <a:r>
+              <a:rPr lang="nl-BE" baseline="0" dirty="0"/>
+              <a:t> </a:t>
+            </a:r>
+            <a:r>
+              <a:rPr lang="nl-BE" baseline="0" dirty="0" err="1"/>
+              <a:t>mentioned</a:t>
+            </a:r>
+            <a:r>
+              <a:rPr lang="nl-BE" baseline="0" dirty="0"/>
+              <a:t> later:</a:t>
+            </a:r>
+            <a:endParaRPr lang="nl-BE" dirty="0"/>
+          </a:p>
+          <a:p>
+            <a:r>
+              <a:rPr lang="en-US" dirty="0">
+                <a:sym typeface="Wingdings" panose="05000000000000000000" pitchFamily="2" charset="2"/>
+              </a:rPr>
+              <a:t>Test inline:</a:t>
+            </a:r>
+          </a:p>
+          <a:p>
+            <a:pPr lvl="1"/>
+            <a:r>
+              <a:rPr lang="en-US" dirty="0" err="1">
+                <a:sym typeface="Wingdings" panose="05000000000000000000" pitchFamily="2" charset="2"/>
+              </a:rPr>
+              <a:t>Synthesis+analysis</a:t>
+            </a:r>
+            <a:r>
+              <a:rPr lang="en-US" dirty="0">
+                <a:sym typeface="Wingdings" panose="05000000000000000000" pitchFamily="2" charset="2"/>
+              </a:rPr>
+              <a:t> fully </a:t>
+            </a:r>
+            <a:r>
+              <a:rPr lang="en-US" dirty="0" err="1">
+                <a:sym typeface="Wingdings" panose="05000000000000000000" pitchFamily="2" charset="2"/>
+              </a:rPr>
+              <a:t>inlined</a:t>
+            </a:r>
+            <a:r>
+              <a:rPr lang="en-US" dirty="0">
+                <a:sym typeface="Wingdings" panose="05000000000000000000" pitchFamily="2" charset="2"/>
+              </a:rPr>
+              <a:t>:</a:t>
+            </a:r>
+          </a:p>
+          <a:p>
+            <a:pPr lvl="2"/>
+            <a:r>
+              <a:rPr lang="en-US" dirty="0">
+                <a:sym typeface="Wingdings" panose="05000000000000000000" pitchFamily="2" charset="2"/>
+              </a:rPr>
+              <a:t>300k better (~5%)</a:t>
+            </a:r>
+          </a:p>
+          <a:p>
+            <a:pPr lvl="2"/>
+            <a:r>
+              <a:rPr lang="en-US" dirty="0">
+                <a:sym typeface="Wingdings" panose="05000000000000000000" pitchFamily="2" charset="2"/>
+              </a:rPr>
+              <a:t>At this point not worth it</a:t>
+            </a:r>
+          </a:p>
+          <a:p>
+            <a:pPr lvl="3"/>
+            <a:r>
+              <a:rPr lang="en-US" sz="2000" dirty="0">
+                <a:sym typeface="Wingdings" panose="05000000000000000000" pitchFamily="2" charset="2"/>
+              </a:rPr>
+              <a:t>Reverted for space and readability/manageability</a:t>
+            </a:r>
+          </a:p>
+          <a:p>
             <a:endParaRPr lang="en-US" dirty="0"/>
           </a:p>
         </p:txBody>
@@ -1832,7 +2017,7 @@
           <a:p>
             <a:fld id="{A24EF1B0-8D48-4F34-B819-7245FD8B9663}" type="slidenum">
               <a:rPr lang="en-US" smtClean="0"/>
-              <a:t>16</a:t>
+              <a:t>15</a:t>
             </a:fld>
             <a:endParaRPr lang="en-US"/>
           </a:p>
@@ -1841,7 +2026,7 @@
     </p:spTree>
     <p:extLst>
       <p:ext uri="{BB962C8B-B14F-4D97-AF65-F5344CB8AC3E}">
-        <p14:creationId xmlns:p14="http://schemas.microsoft.com/office/powerpoint/2010/main" val="3319125162"/>
+        <p14:creationId xmlns:p14="http://schemas.microsoft.com/office/powerpoint/2010/main" val="2518672654"/>
       </p:ext>
     </p:extLst>
   </p:cSld>
@@ -1920,7 +2105,7 @@
           <a:p>
             <a:fld id="{A24EF1B0-8D48-4F34-B819-7245FD8B9663}" type="slidenum">
               <a:rPr lang="en-US" smtClean="0"/>
-              <a:t>17</a:t>
+              <a:t>16</a:t>
             </a:fld>
             <a:endParaRPr lang="en-US"/>
           </a:p>
@@ -1929,7 +2114,7 @@
     </p:spTree>
     <p:extLst>
       <p:ext uri="{BB962C8B-B14F-4D97-AF65-F5344CB8AC3E}">
-        <p14:creationId xmlns:p14="http://schemas.microsoft.com/office/powerpoint/2010/main" val="1399273480"/>
+        <p14:creationId xmlns:p14="http://schemas.microsoft.com/office/powerpoint/2010/main" val="3319125162"/>
       </p:ext>
     </p:extLst>
   </p:cSld>
@@ -8605,6 +8790,12 @@
           <a:p>
             <a:r>
               <a:rPr lang="nl-BE" dirty="0"/>
+              <a:t>Pointers</a:t>
+            </a:r>
+          </a:p>
+          <a:p>
+            <a:r>
+              <a:rPr lang="nl-BE" dirty="0"/>
               <a:t>Debugging:</a:t>
             </a:r>
           </a:p>
@@ -8633,101 +8824,6 @@
             <a:endParaRPr lang="nl-BE" dirty="0">
               <a:sym typeface="Wingdings" panose="05000000000000000000" pitchFamily="2" charset="2"/>
             </a:endParaRPr>
-          </a:p>
-          <a:p>
-            <a:r>
-              <a:rPr lang="nl-BE" dirty="0">
-                <a:sym typeface="Wingdings" panose="05000000000000000000" pitchFamily="2" charset="2"/>
-              </a:rPr>
-              <a:t>Output </a:t>
-            </a:r>
-            <a:r>
-              <a:rPr lang="nl-BE" dirty="0" err="1">
-                <a:sym typeface="Wingdings" panose="05000000000000000000" pitchFamily="2" charset="2"/>
-              </a:rPr>
-              <a:t>checked</a:t>
-            </a:r>
-            <a:r>
-              <a:rPr lang="nl-BE" dirty="0">
-                <a:sym typeface="Wingdings" panose="05000000000000000000" pitchFamily="2" charset="2"/>
-              </a:rPr>
-              <a:t> </a:t>
-            </a:r>
-            <a:r>
-              <a:rPr lang="nl-BE" dirty="0" err="1">
-                <a:sym typeface="Wingdings" panose="05000000000000000000" pitchFamily="2" charset="2"/>
-              </a:rPr>
-              <a:t>with</a:t>
-            </a:r>
-            <a:r>
-              <a:rPr lang="nl-BE" dirty="0">
-                <a:sym typeface="Wingdings" panose="05000000000000000000" pitchFamily="2" charset="2"/>
-              </a:rPr>
-              <a:t> MATLAB</a:t>
-            </a:r>
-          </a:p>
-          <a:p>
-            <a:pPr lvl="1"/>
-            <a:r>
-              <a:rPr lang="nl-BE" dirty="0" err="1">
-                <a:sym typeface="Wingdings" panose="05000000000000000000" pitchFamily="2" charset="2"/>
-              </a:rPr>
-              <a:t>Results</a:t>
-            </a:r>
-            <a:r>
-              <a:rPr lang="nl-BE" dirty="0">
-                <a:sym typeface="Wingdings" panose="05000000000000000000" pitchFamily="2" charset="2"/>
-              </a:rPr>
-              <a:t> are </a:t>
-            </a:r>
-            <a:r>
-              <a:rPr lang="nl-BE" dirty="0" err="1">
-                <a:sym typeface="Wingdings" panose="05000000000000000000" pitchFamily="2" charset="2"/>
-              </a:rPr>
-              <a:t>the</a:t>
-            </a:r>
-            <a:r>
-              <a:rPr lang="nl-BE" dirty="0">
-                <a:sym typeface="Wingdings" panose="05000000000000000000" pitchFamily="2" charset="2"/>
-              </a:rPr>
-              <a:t> </a:t>
-            </a:r>
-            <a:r>
-              <a:rPr lang="nl-BE" dirty="0" err="1">
-                <a:sym typeface="Wingdings" panose="05000000000000000000" pitchFamily="2" charset="2"/>
-              </a:rPr>
-              <a:t>same</a:t>
-            </a:r>
-            <a:r>
-              <a:rPr lang="nl-BE" dirty="0">
-                <a:sym typeface="Wingdings" panose="05000000000000000000" pitchFamily="2" charset="2"/>
-              </a:rPr>
-              <a:t> down </a:t>
-            </a:r>
-            <a:r>
-              <a:rPr lang="nl-BE" dirty="0" err="1">
-                <a:sym typeface="Wingdings" panose="05000000000000000000" pitchFamily="2" charset="2"/>
-              </a:rPr>
-              <a:t>to</a:t>
-            </a:r>
-            <a:r>
-              <a:rPr lang="nl-BE" dirty="0">
-                <a:sym typeface="Wingdings" panose="05000000000000000000" pitchFamily="2" charset="2"/>
-              </a:rPr>
-              <a:t> </a:t>
-            </a:r>
-            <a:r>
-              <a:rPr lang="nl-BE" dirty="0" err="1">
-                <a:sym typeface="Wingdings" panose="05000000000000000000" pitchFamily="2" charset="2"/>
-              </a:rPr>
-              <a:t>the</a:t>
-            </a:r>
-            <a:r>
-              <a:rPr lang="nl-BE" dirty="0">
-                <a:sym typeface="Wingdings" panose="05000000000000000000" pitchFamily="2" charset="2"/>
-              </a:rPr>
-              <a:t> last bit</a:t>
-            </a:r>
           </a:p>
         </p:txBody>
       </p:sp>
@@ -8778,7 +8874,7 @@
           <a:p>
             <a:r>
               <a:rPr lang="nl-BE" dirty="0"/>
-              <a:t>DSP-C</a:t>
+              <a:t>DSP-C: Start</a:t>
             </a:r>
             <a:endParaRPr lang="en-US" dirty="0"/>
           </a:p>
@@ -8801,7 +8897,7 @@
           <a:p>
             <a:r>
               <a:rPr lang="nl-BE" dirty="0"/>
-              <a:t>Start: 21,8M </a:t>
+              <a:t>21,8M </a:t>
             </a:r>
             <a:r>
               <a:rPr lang="nl-BE" dirty="0" err="1"/>
@@ -8817,7 +8913,15 @@
             </a:r>
             <a:r>
               <a:rPr lang="nl-BE" dirty="0"/>
-              <a:t> 2986 samples</a:t>
+              <a:t> 2986 samples: 7,300 </a:t>
+            </a:r>
+            <a:r>
+              <a:rPr lang="nl-BE" dirty="0" err="1"/>
+              <a:t>cycles</a:t>
+            </a:r>
+            <a:r>
+              <a:rPr lang="nl-BE" dirty="0"/>
+              <a:t> / sample</a:t>
             </a:r>
           </a:p>
           <a:p>
@@ -8836,7 +8940,15 @@
             </a:r>
             <a:r>
               <a:rPr lang="nl-BE" dirty="0"/>
-              <a:t> x2 speed-up in C</a:t>
+              <a:t> x2 speed-up in ~14,600 </a:t>
+            </a:r>
+            <a:r>
+              <a:rPr lang="nl-BE" dirty="0" err="1"/>
+              <a:t>cycles</a:t>
+            </a:r>
+            <a:r>
+              <a:rPr lang="nl-BE" dirty="0"/>
+              <a:t> / sample</a:t>
             </a:r>
           </a:p>
           <a:p>
@@ -10494,6 +10606,15 @@
           <a:bodyPr/>
           <a:lstStyle/>
           <a:p>
+            <a:endParaRPr lang="en-US" dirty="0"/>
+          </a:p>
+          <a:p>
+            <a:endParaRPr lang="en-US" dirty="0"/>
+          </a:p>
+          <a:p>
+            <a:endParaRPr lang="en-US" dirty="0"/>
+          </a:p>
+          <a:p>
             <a:r>
               <a:rPr lang="en-US" dirty="0"/>
               <a:t>Flexible</a:t>
@@ -10664,6 +10785,36 @@
           </a:p>
         </p:txBody>
       </p:sp>
+      <p:pic>
+        <p:nvPicPr>
+          <p:cNvPr id="8" name="Picture 7"/>
+          <p:cNvPicPr>
+            <a:picLocks noChangeAspect="1"/>
+          </p:cNvPicPr>
+          <p:nvPr/>
+        </p:nvPicPr>
+        <p:blipFill>
+          <a:blip r:embed="rId2">
+            <a:extLst>
+              <a:ext uri="{28A0092B-C50C-407E-A947-70E740481C1C}">
+                <a14:useLocalDpi xmlns:a14="http://schemas.microsoft.com/office/drawing/2010/main" val="0"/>
+              </a:ext>
+            </a:extLst>
+          </a:blip>
+          <a:stretch>
+            <a:fillRect/>
+          </a:stretch>
+        </p:blipFill>
+        <p:spPr>
+          <a:xfrm>
+            <a:off x="5504942" y="0"/>
+            <a:ext cx="3639058" cy="3410426"/>
+          </a:xfrm>
+          <a:prstGeom prst="rect">
+            <a:avLst/>
+          </a:prstGeom>
+        </p:spPr>
+      </p:pic>
     </p:spTree>
     <p:extLst>
       <p:ext uri="{BB962C8B-B14F-4D97-AF65-F5344CB8AC3E}">
@@ -11215,7 +11366,7 @@
 </file>
 
 <file path=ppt/slides/slide3.xml><?xml version="1.0" encoding="utf-8"?>
-<p:sld xmlns:a="http://schemas.openxmlformats.org/drawingml/2006/main" xmlns:r="http://schemas.openxmlformats.org/officeDocument/2006/relationships" xmlns:p="http://schemas.openxmlformats.org/presentationml/2006/main">
+<p:sld xmlns:a="http://schemas.openxmlformats.org/drawingml/2006/main" xmlns:r="http://schemas.openxmlformats.org/officeDocument/2006/relationships" xmlns:p="http://schemas.openxmlformats.org/presentationml/2006/main" show="0">
   <p:cSld>
     <p:spTree>
       <p:nvGrpSpPr>

--- a/Presentatie/Presentatie.pptx
+++ b/Presentatie/Presentatie.pptx
@@ -6,7 +6,7 @@
     <p:sldMasterId id="2147483672" r:id="rId2"/>
   </p:sldMasterIdLst>
   <p:notesMasterIdLst>
-    <p:notesMasterId r:id="rId25"/>
+    <p:notesMasterId r:id="rId26"/>
   </p:notesMasterIdLst>
   <p:sldIdLst>
     <p:sldId id="256" r:id="rId3"/>
@@ -29,8 +29,9 @@
     <p:sldId id="276" r:id="rId20"/>
     <p:sldId id="277" r:id="rId21"/>
     <p:sldId id="278" r:id="rId22"/>
-    <p:sldId id="279" r:id="rId23"/>
-    <p:sldId id="273" r:id="rId24"/>
+    <p:sldId id="281" r:id="rId23"/>
+    <p:sldId id="279" r:id="rId24"/>
+    <p:sldId id="273" r:id="rId25"/>
   </p:sldIdLst>
   <p:sldSz cx="9144000" cy="6858000" type="screen4x3"/>
   <p:notesSz cx="6858000" cy="9144000"/>
@@ -639,7 +640,7 @@
           <a:p>
             <a:fld id="{A24EF1B0-8D48-4F34-B819-7245FD8B9663}" type="slidenum">
               <a:rPr lang="en-US" smtClean="0"/>
-              <a:t>17</a:t>
+              <a:t>16</a:t>
             </a:fld>
             <a:endParaRPr lang="en-US"/>
           </a:p>
@@ -648,7 +649,7 @@
     </p:spTree>
     <p:extLst>
       <p:ext uri="{BB962C8B-B14F-4D97-AF65-F5344CB8AC3E}">
-        <p14:creationId xmlns:p14="http://schemas.microsoft.com/office/powerpoint/2010/main" val="1399273480"/>
+        <p14:creationId xmlns:p14="http://schemas.microsoft.com/office/powerpoint/2010/main" val="3319125162"/>
       </p:ext>
     </p:extLst>
   </p:cSld>
@@ -727,7 +728,7 @@
           <a:p>
             <a:fld id="{A24EF1B0-8D48-4F34-B819-7245FD8B9663}" type="slidenum">
               <a:rPr lang="en-US" smtClean="0"/>
-              <a:t>18</a:t>
+              <a:t>17</a:t>
             </a:fld>
             <a:endParaRPr lang="en-US"/>
           </a:p>
@@ -736,7 +737,7 @@
     </p:spTree>
     <p:extLst>
       <p:ext uri="{BB962C8B-B14F-4D97-AF65-F5344CB8AC3E}">
-        <p14:creationId xmlns:p14="http://schemas.microsoft.com/office/powerpoint/2010/main" val="2958474266"/>
+        <p14:creationId xmlns:p14="http://schemas.microsoft.com/office/powerpoint/2010/main" val="1399273480"/>
       </p:ext>
     </p:extLst>
   </p:cSld>
@@ -792,48 +793,8 @@
           <a:p>
             <a:r>
               <a:rPr lang="nl-BE" dirty="0"/>
-              <a:t>TERUG OP TOTAAL</a:t>
-            </a:r>
-          </a:p>
-          <a:p>
-            <a:r>
-              <a:rPr lang="nl-BE" dirty="0" err="1"/>
-              <a:t>Trg</a:t>
-            </a:r>
-            <a:r>
-              <a:rPr lang="nl-BE" dirty="0"/>
-              <a:t> vermelden:</a:t>
-            </a:r>
-            <a:r>
-              <a:rPr lang="nl-BE" baseline="0" dirty="0"/>
-              <a:t> more compiler </a:t>
-            </a:r>
-            <a:r>
-              <a:rPr lang="nl-BE" baseline="0" dirty="0" err="1"/>
-              <a:t>freedom</a:t>
-            </a:r>
-            <a:r>
-              <a:rPr lang="nl-BE" baseline="0" dirty="0"/>
-              <a:t> (</a:t>
-            </a:r>
-            <a:r>
-              <a:rPr lang="nl-BE" baseline="0" dirty="0" err="1"/>
-              <a:t>and</a:t>
-            </a:r>
-            <a:r>
-              <a:rPr lang="nl-BE" baseline="0" dirty="0"/>
-              <a:t> </a:t>
-            </a:r>
-            <a:r>
-              <a:rPr lang="nl-BE" baseline="0" dirty="0" err="1"/>
-              <a:t>reduced</a:t>
-            </a:r>
-            <a:r>
-              <a:rPr lang="nl-BE" baseline="0" dirty="0"/>
-              <a:t> overhead)</a:t>
-            </a:r>
-          </a:p>
-          <a:p>
+              <a:t>NU WEL PER FUNCTIE</a:t>
+            </a:r>
             <a:endParaRPr lang="en-US" dirty="0"/>
           </a:p>
         </p:txBody>
@@ -855,7 +816,7 @@
           <a:p>
             <a:fld id="{A24EF1B0-8D48-4F34-B819-7245FD8B9663}" type="slidenum">
               <a:rPr lang="en-US" smtClean="0"/>
-              <a:t>19</a:t>
+              <a:t>18</a:t>
             </a:fld>
             <a:endParaRPr lang="en-US"/>
           </a:p>
@@ -864,7 +825,7 @@
     </p:spTree>
     <p:extLst>
       <p:ext uri="{BB962C8B-B14F-4D97-AF65-F5344CB8AC3E}">
-        <p14:creationId xmlns:p14="http://schemas.microsoft.com/office/powerpoint/2010/main" val="3172776424"/>
+        <p14:creationId xmlns:p14="http://schemas.microsoft.com/office/powerpoint/2010/main" val="2958474266"/>
       </p:ext>
     </p:extLst>
   </p:cSld>
@@ -919,6 +880,134 @@
           <a:lstStyle/>
           <a:p>
             <a:r>
+              <a:rPr lang="nl-BE" dirty="0"/>
+              <a:t>TERUG OP TOTAAL</a:t>
+            </a:r>
+          </a:p>
+          <a:p>
+            <a:r>
+              <a:rPr lang="nl-BE" dirty="0" err="1"/>
+              <a:t>Trg</a:t>
+            </a:r>
+            <a:r>
+              <a:rPr lang="nl-BE" dirty="0"/>
+              <a:t> vermelden:</a:t>
+            </a:r>
+            <a:r>
+              <a:rPr lang="nl-BE" baseline="0" dirty="0"/>
+              <a:t> more compiler </a:t>
+            </a:r>
+            <a:r>
+              <a:rPr lang="nl-BE" baseline="0" dirty="0" err="1"/>
+              <a:t>freedom</a:t>
+            </a:r>
+            <a:r>
+              <a:rPr lang="nl-BE" baseline="0" dirty="0"/>
+              <a:t> (</a:t>
+            </a:r>
+            <a:r>
+              <a:rPr lang="nl-BE" baseline="0" dirty="0" err="1"/>
+              <a:t>and</a:t>
+            </a:r>
+            <a:r>
+              <a:rPr lang="nl-BE" baseline="0" dirty="0"/>
+              <a:t> </a:t>
+            </a:r>
+            <a:r>
+              <a:rPr lang="nl-BE" baseline="0" dirty="0" err="1"/>
+              <a:t>reduced</a:t>
+            </a:r>
+            <a:r>
+              <a:rPr lang="nl-BE" baseline="0" dirty="0"/>
+              <a:t> overhead)</a:t>
+            </a:r>
+          </a:p>
+          <a:p>
+            <a:endParaRPr lang="en-US" dirty="0"/>
+          </a:p>
+        </p:txBody>
+      </p:sp>
+      <p:sp>
+        <p:nvSpPr>
+          <p:cNvPr id="4" name="Slide Number Placeholder 3"/>
+          <p:cNvSpPr>
+            <a:spLocks noGrp="1"/>
+          </p:cNvSpPr>
+          <p:nvPr>
+            <p:ph type="sldNum" sz="quarter" idx="10"/>
+          </p:nvPr>
+        </p:nvSpPr>
+        <p:spPr/>
+        <p:txBody>
+          <a:bodyPr/>
+          <a:lstStyle/>
+          <a:p>
+            <a:fld id="{A24EF1B0-8D48-4F34-B819-7245FD8B9663}" type="slidenum">
+              <a:rPr lang="en-US" smtClean="0"/>
+              <a:t>19</a:t>
+            </a:fld>
+            <a:endParaRPr lang="en-US"/>
+          </a:p>
+        </p:txBody>
+      </p:sp>
+    </p:spTree>
+    <p:extLst>
+      <p:ext uri="{BB962C8B-B14F-4D97-AF65-F5344CB8AC3E}">
+        <p14:creationId xmlns:p14="http://schemas.microsoft.com/office/powerpoint/2010/main" val="3172776424"/>
+      </p:ext>
+    </p:extLst>
+  </p:cSld>
+  <p:clrMapOvr>
+    <a:masterClrMapping/>
+  </p:clrMapOvr>
+</p:notes>
+</file>
+
+<file path=ppt/notesSlides/notesSlide14.xml><?xml version="1.0" encoding="utf-8"?>
+<p:notes xmlns:a="http://schemas.openxmlformats.org/drawingml/2006/main" xmlns:r="http://schemas.openxmlformats.org/officeDocument/2006/relationships" xmlns:p="http://schemas.openxmlformats.org/presentationml/2006/main">
+  <p:cSld>
+    <p:spTree>
+      <p:nvGrpSpPr>
+        <p:cNvPr id="1" name=""/>
+        <p:cNvGrpSpPr/>
+        <p:nvPr/>
+      </p:nvGrpSpPr>
+      <p:grpSpPr>
+        <a:xfrm>
+          <a:off x="0" y="0"/>
+          <a:ext cx="0" cy="0"/>
+          <a:chOff x="0" y="0"/>
+          <a:chExt cx="0" cy="0"/>
+        </a:xfrm>
+      </p:grpSpPr>
+      <p:sp>
+        <p:nvSpPr>
+          <p:cNvPr id="2" name="Slide Image Placeholder 1"/>
+          <p:cNvSpPr>
+            <a:spLocks noGrp="1" noRot="1" noChangeAspect="1"/>
+          </p:cNvSpPr>
+          <p:nvPr>
+            <p:ph type="sldImg"/>
+          </p:nvPr>
+        </p:nvSpPr>
+        <p:spPr/>
+      </p:sp>
+      <p:sp>
+        <p:nvSpPr>
+          <p:cNvPr id="3" name="Notes Placeholder 2"/>
+          <p:cNvSpPr>
+            <a:spLocks noGrp="1"/>
+          </p:cNvSpPr>
+          <p:nvPr>
+            <p:ph type="body" idx="1"/>
+          </p:nvPr>
+        </p:nvSpPr>
+        <p:spPr/>
+        <p:txBody>
+          <a:bodyPr/>
+          <a:lstStyle/>
+          <a:p>
+            <a:r>
               <a:rPr lang="en-GB" dirty="0"/>
               <a:t>Removed: (Did not find it necessary to put this here since overall we implemented this and it did</a:t>
             </a:r>
@@ -970,6 +1059,10 @@
             </a:r>
           </a:p>
           <a:p>
+            <a:r>
+              <a:rPr lang="en-GB" dirty="0"/>
+              <a:t/>
+            </a:r>
             <a:br>
               <a:rPr lang="en-GB" dirty="0"/>
             </a:br>
@@ -1208,7 +1301,64 @@
           <a:bodyPr/>
           <a:lstStyle/>
           <a:p>
-            <a:endParaRPr lang="en-US" dirty="0"/>
+            <a:pPr marL="0" marR="0" indent="0" algn="l" defTabSz="914400" rtl="0" eaLnBrk="1" fontAlgn="auto" latinLnBrk="0" hangingPunct="1">
+              <a:lnSpc>
+                <a:spcPct val="100000"/>
+              </a:lnSpc>
+              <a:spcBef>
+                <a:spcPts val="0"/>
+              </a:spcBef>
+              <a:spcAft>
+                <a:spcPts val="0"/>
+              </a:spcAft>
+              <a:buClrTx/>
+              <a:buSzTx/>
+              <a:buFontTx/>
+              <a:buNone/>
+              <a:tabLst/>
+              <a:defRPr/>
+            </a:pPr>
+            <a:r>
+              <a:rPr lang="nl-BE" dirty="0" smtClean="0"/>
+              <a:t>No </a:t>
+            </a:r>
+            <a:r>
+              <a:rPr lang="nl-BE" dirty="0" err="1" smtClean="0"/>
+              <a:t>optimization</a:t>
+            </a:r>
+            <a:r>
+              <a:rPr lang="nl-BE" baseline="0" dirty="0" smtClean="0"/>
+              <a:t> </a:t>
+            </a:r>
+            <a:r>
+              <a:rPr lang="nl-BE" baseline="0" dirty="0" err="1" smtClean="0"/>
+              <a:t>function</a:t>
+            </a:r>
+            <a:r>
+              <a:rPr lang="nl-BE" baseline="0" dirty="0" smtClean="0"/>
+              <a:t> found </a:t>
+            </a:r>
+            <a:r>
+              <a:rPr lang="nl-BE" baseline="0" dirty="0" err="1" smtClean="0"/>
+              <a:t>for</a:t>
+            </a:r>
+            <a:r>
+              <a:rPr lang="nl-BE" baseline="0" dirty="0" smtClean="0"/>
+              <a:t> mixed integer non </a:t>
+            </a:r>
+            <a:r>
+              <a:rPr lang="nl-BE" baseline="0" dirty="0" err="1" smtClean="0"/>
+              <a:t>linear</a:t>
+            </a:r>
+            <a:r>
+              <a:rPr lang="nl-BE" baseline="0" dirty="0" smtClean="0"/>
+              <a:t> </a:t>
+            </a:r>
+            <a:r>
+              <a:rPr lang="nl-BE" baseline="0" dirty="0" err="1" smtClean="0"/>
+              <a:t>problem</a:t>
+            </a:r>
+            <a:endParaRPr lang="en-US" dirty="0" smtClean="0"/>
           </a:p>
         </p:txBody>
       </p:sp>
@@ -1229,7 +1379,7 @@
           <a:p>
             <a:fld id="{A24EF1B0-8D48-4F34-B819-7245FD8B9663}" type="slidenum">
               <a:rPr lang="en-US" smtClean="0"/>
-              <a:t>7</a:t>
+              <a:t>5</a:t>
             </a:fld>
             <a:endParaRPr lang="en-US"/>
           </a:p>
@@ -1238,7 +1388,7 @@
     </p:spTree>
     <p:extLst>
       <p:ext uri="{BB962C8B-B14F-4D97-AF65-F5344CB8AC3E}">
-        <p14:creationId xmlns:p14="http://schemas.microsoft.com/office/powerpoint/2010/main" val="1838292613"/>
+        <p14:creationId xmlns:p14="http://schemas.microsoft.com/office/powerpoint/2010/main" val="3535799271"/>
       </p:ext>
     </p:extLst>
   </p:cSld>
@@ -1292,46 +1442,6 @@
           <a:bodyPr/>
           <a:lstStyle/>
           <a:p>
-            <a:pPr marL="0" marR="0" indent="0" algn="l" defTabSz="914400" rtl="0" eaLnBrk="1" fontAlgn="auto" latinLnBrk="0" hangingPunct="1">
-              <a:lnSpc>
-                <a:spcPct val="100000"/>
-              </a:lnSpc>
-              <a:spcBef>
-                <a:spcPts val="0"/>
-              </a:spcBef>
-              <a:spcAft>
-                <a:spcPts val="0"/>
-              </a:spcAft>
-              <a:buClrTx/>
-              <a:buSzTx/>
-              <a:buFontTx/>
-              <a:buNone/>
-              <a:tabLst/>
-              <a:defRPr/>
-            </a:pPr>
-            <a:r>
-              <a:rPr lang="nl-BE" dirty="0"/>
-              <a:t>Vermeld: uiteindelijk ook integer </a:t>
-            </a:r>
-            <a:r>
-              <a:rPr lang="nl-BE" dirty="0" err="1"/>
-              <a:t>ipv</a:t>
-            </a:r>
-            <a:r>
-              <a:rPr lang="nl-BE" baseline="0" dirty="0"/>
-              <a:t> long </a:t>
-            </a:r>
-            <a:r>
-              <a:rPr lang="nl-BE" baseline="0" dirty="0" err="1"/>
-              <a:t>long</a:t>
-            </a:r>
-            <a:r>
-              <a:rPr lang="nl-BE" baseline="0" dirty="0"/>
-              <a:t> gedrag maar maakt geen verschil</a:t>
-            </a:r>
-            <a:endParaRPr lang="en-US" dirty="0"/>
-          </a:p>
-          <a:p>
             <a:endParaRPr lang="en-US" dirty="0"/>
           </a:p>
         </p:txBody>
@@ -1353,7 +1463,7 @@
           <a:p>
             <a:fld id="{A24EF1B0-8D48-4F34-B819-7245FD8B9663}" type="slidenum">
               <a:rPr lang="en-US" smtClean="0"/>
-              <a:t>8</a:t>
+              <a:t>7</a:t>
             </a:fld>
             <a:endParaRPr lang="en-US"/>
           </a:p>
@@ -1362,7 +1472,7 @@
     </p:spTree>
     <p:extLst>
       <p:ext uri="{BB962C8B-B14F-4D97-AF65-F5344CB8AC3E}">
-        <p14:creationId xmlns:p14="http://schemas.microsoft.com/office/powerpoint/2010/main" val="1250866507"/>
+        <p14:creationId xmlns:p14="http://schemas.microsoft.com/office/powerpoint/2010/main" val="1838292613"/>
       </p:ext>
     </p:extLst>
   </p:cSld>
@@ -1477,7 +1587,7 @@
           <a:p>
             <a:fld id="{A24EF1B0-8D48-4F34-B819-7245FD8B9663}" type="slidenum">
               <a:rPr lang="en-US" smtClean="0"/>
-              <a:t>9</a:t>
+              <a:t>8</a:t>
             </a:fld>
             <a:endParaRPr lang="en-US"/>
           </a:p>
@@ -1486,7 +1596,7 @@
     </p:spTree>
     <p:extLst>
       <p:ext uri="{BB962C8B-B14F-4D97-AF65-F5344CB8AC3E}">
-        <p14:creationId xmlns:p14="http://schemas.microsoft.com/office/powerpoint/2010/main" val="3040199353"/>
+        <p14:creationId xmlns:p14="http://schemas.microsoft.com/office/powerpoint/2010/main" val="1250866507"/>
       </p:ext>
     </p:extLst>
   </p:cSld>
@@ -1540,6 +1650,46 @@
           <a:bodyPr/>
           <a:lstStyle/>
           <a:p>
+            <a:pPr marL="0" marR="0" indent="0" algn="l" defTabSz="914400" rtl="0" eaLnBrk="1" fontAlgn="auto" latinLnBrk="0" hangingPunct="1">
+              <a:lnSpc>
+                <a:spcPct val="100000"/>
+              </a:lnSpc>
+              <a:spcBef>
+                <a:spcPts val="0"/>
+              </a:spcBef>
+              <a:spcAft>
+                <a:spcPts val="0"/>
+              </a:spcAft>
+              <a:buClrTx/>
+              <a:buSzTx/>
+              <a:buFontTx/>
+              <a:buNone/>
+              <a:tabLst/>
+              <a:defRPr/>
+            </a:pPr>
+            <a:r>
+              <a:rPr lang="nl-BE" dirty="0"/>
+              <a:t>Vermeld: uiteindelijk ook integer </a:t>
+            </a:r>
+            <a:r>
+              <a:rPr lang="nl-BE" dirty="0" err="1"/>
+              <a:t>ipv</a:t>
+            </a:r>
+            <a:r>
+              <a:rPr lang="nl-BE" baseline="0" dirty="0"/>
+              <a:t> long </a:t>
+            </a:r>
+            <a:r>
+              <a:rPr lang="nl-BE" baseline="0" dirty="0" err="1"/>
+              <a:t>long</a:t>
+            </a:r>
+            <a:r>
+              <a:rPr lang="nl-BE" baseline="0" dirty="0"/>
+              <a:t> gedrag maar maakt geen verschil</a:t>
+            </a:r>
+            <a:endParaRPr lang="en-US" dirty="0"/>
+          </a:p>
+          <a:p>
             <a:endParaRPr lang="en-US" dirty="0"/>
           </a:p>
         </p:txBody>
@@ -1561,7 +1711,7 @@
           <a:p>
             <a:fld id="{A24EF1B0-8D48-4F34-B819-7245FD8B9663}" type="slidenum">
               <a:rPr lang="en-US" smtClean="0"/>
-              <a:t>10</a:t>
+              <a:t>9</a:t>
             </a:fld>
             <a:endParaRPr lang="en-US"/>
           </a:p>
@@ -1570,7 +1720,7 @@
     </p:spTree>
     <p:extLst>
       <p:ext uri="{BB962C8B-B14F-4D97-AF65-F5344CB8AC3E}">
-        <p14:creationId xmlns:p14="http://schemas.microsoft.com/office/powerpoint/2010/main" val="3560766985"/>
+        <p14:creationId xmlns:p14="http://schemas.microsoft.com/office/powerpoint/2010/main" val="3040199353"/>
       </p:ext>
     </p:extLst>
   </p:cSld>
@@ -1624,108 +1774,7 @@
           <a:bodyPr/>
           <a:lstStyle/>
           <a:p>
-            <a:r>
-              <a:rPr lang="en-GB" dirty="0"/>
-              <a:t>Removed: </a:t>
-            </a:r>
-          </a:p>
-          <a:p>
-            <a:r>
-              <a:rPr lang="nl-BE" dirty="0">
-                <a:sym typeface="Wingdings" panose="05000000000000000000" pitchFamily="2" charset="2"/>
-              </a:rPr>
-              <a:t>Output </a:t>
-            </a:r>
-            <a:r>
-              <a:rPr lang="nl-BE" dirty="0" err="1">
-                <a:sym typeface="Wingdings" panose="05000000000000000000" pitchFamily="2" charset="2"/>
-              </a:rPr>
-              <a:t>checked</a:t>
-            </a:r>
-            <a:r>
-              <a:rPr lang="nl-BE" dirty="0">
-                <a:sym typeface="Wingdings" panose="05000000000000000000" pitchFamily="2" charset="2"/>
-              </a:rPr>
-              <a:t> </a:t>
-            </a:r>
-            <a:r>
-              <a:rPr lang="nl-BE" dirty="0" err="1">
-                <a:sym typeface="Wingdings" panose="05000000000000000000" pitchFamily="2" charset="2"/>
-              </a:rPr>
-              <a:t>with</a:t>
-            </a:r>
-            <a:r>
-              <a:rPr lang="nl-BE" dirty="0">
-                <a:sym typeface="Wingdings" panose="05000000000000000000" pitchFamily="2" charset="2"/>
-              </a:rPr>
-              <a:t> MATLAB</a:t>
-            </a:r>
-          </a:p>
-          <a:p>
-            <a:pPr lvl="1"/>
-            <a:r>
-              <a:rPr lang="nl-BE" dirty="0" err="1">
-                <a:sym typeface="Wingdings" panose="05000000000000000000" pitchFamily="2" charset="2"/>
-              </a:rPr>
-              <a:t>Results</a:t>
-            </a:r>
-            <a:r>
-              <a:rPr lang="nl-BE" dirty="0">
-                <a:sym typeface="Wingdings" panose="05000000000000000000" pitchFamily="2" charset="2"/>
-              </a:rPr>
-              <a:t> are </a:t>
-            </a:r>
-            <a:r>
-              <a:rPr lang="nl-BE" dirty="0" err="1">
-                <a:sym typeface="Wingdings" panose="05000000000000000000" pitchFamily="2" charset="2"/>
-              </a:rPr>
-              <a:t>the</a:t>
-            </a:r>
-            <a:r>
-              <a:rPr lang="nl-BE" dirty="0">
-                <a:sym typeface="Wingdings" panose="05000000000000000000" pitchFamily="2" charset="2"/>
-              </a:rPr>
-              <a:t> </a:t>
-            </a:r>
-            <a:r>
-              <a:rPr lang="nl-BE" dirty="0" err="1">
-                <a:sym typeface="Wingdings" panose="05000000000000000000" pitchFamily="2" charset="2"/>
-              </a:rPr>
-              <a:t>same</a:t>
-            </a:r>
-            <a:r>
-              <a:rPr lang="nl-BE" dirty="0">
-                <a:sym typeface="Wingdings" panose="05000000000000000000" pitchFamily="2" charset="2"/>
-              </a:rPr>
-              <a:t> down </a:t>
-            </a:r>
-            <a:r>
-              <a:rPr lang="nl-BE" dirty="0" err="1">
-                <a:sym typeface="Wingdings" panose="05000000000000000000" pitchFamily="2" charset="2"/>
-              </a:rPr>
-              <a:t>to</a:t>
-            </a:r>
-            <a:r>
-              <a:rPr lang="nl-BE" dirty="0">
-                <a:sym typeface="Wingdings" panose="05000000000000000000" pitchFamily="2" charset="2"/>
-              </a:rPr>
-              <a:t> </a:t>
-            </a:r>
-            <a:r>
-              <a:rPr lang="nl-BE" dirty="0" err="1">
-                <a:sym typeface="Wingdings" panose="05000000000000000000" pitchFamily="2" charset="2"/>
-              </a:rPr>
-              <a:t>the</a:t>
-            </a:r>
-            <a:r>
-              <a:rPr lang="nl-BE" dirty="0">
-                <a:sym typeface="Wingdings" panose="05000000000000000000" pitchFamily="2" charset="2"/>
-              </a:rPr>
-              <a:t> last bit</a:t>
-            </a:r>
-          </a:p>
-          <a:p>
-            <a:endParaRPr lang="en-GB" dirty="0"/>
+            <a:endParaRPr lang="en-US" dirty="0"/>
           </a:p>
         </p:txBody>
       </p:sp>
@@ -1746,7 +1795,7 @@
           <a:p>
             <a:fld id="{A24EF1B0-8D48-4F34-B819-7245FD8B9663}" type="slidenum">
               <a:rPr lang="en-US" smtClean="0"/>
-              <a:t>12</a:t>
+              <a:t>10</a:t>
             </a:fld>
             <a:endParaRPr lang="en-US"/>
           </a:p>
@@ -1755,7 +1804,7 @@
     </p:spTree>
     <p:extLst>
       <p:ext uri="{BB962C8B-B14F-4D97-AF65-F5344CB8AC3E}">
-        <p14:creationId xmlns:p14="http://schemas.microsoft.com/office/powerpoint/2010/main" val="75769699"/>
+        <p14:creationId xmlns:p14="http://schemas.microsoft.com/office/powerpoint/2010/main" val="3560766985"/>
       </p:ext>
     </p:extLst>
   </p:cSld>
@@ -1810,10 +1859,107 @@
           <a:lstStyle/>
           <a:p>
             <a:r>
-              <a:rPr lang="nl-BE" dirty="0"/>
-              <a:t>Percentages op totaal en niet op de aangepaste functie</a:t>
-            </a:r>
-            <a:endParaRPr lang="en-US" dirty="0"/>
+              <a:rPr lang="en-GB" dirty="0"/>
+              <a:t>Removed: </a:t>
+            </a:r>
+          </a:p>
+          <a:p>
+            <a:r>
+              <a:rPr lang="nl-BE" dirty="0">
+                <a:sym typeface="Wingdings" panose="05000000000000000000" pitchFamily="2" charset="2"/>
+              </a:rPr>
+              <a:t>Output </a:t>
+            </a:r>
+            <a:r>
+              <a:rPr lang="nl-BE" dirty="0" err="1">
+                <a:sym typeface="Wingdings" panose="05000000000000000000" pitchFamily="2" charset="2"/>
+              </a:rPr>
+              <a:t>checked</a:t>
+            </a:r>
+            <a:r>
+              <a:rPr lang="nl-BE" dirty="0">
+                <a:sym typeface="Wingdings" panose="05000000000000000000" pitchFamily="2" charset="2"/>
+              </a:rPr>
+              <a:t> </a:t>
+            </a:r>
+            <a:r>
+              <a:rPr lang="nl-BE" dirty="0" err="1">
+                <a:sym typeface="Wingdings" panose="05000000000000000000" pitchFamily="2" charset="2"/>
+              </a:rPr>
+              <a:t>with</a:t>
+            </a:r>
+            <a:r>
+              <a:rPr lang="nl-BE" dirty="0">
+                <a:sym typeface="Wingdings" panose="05000000000000000000" pitchFamily="2" charset="2"/>
+              </a:rPr>
+              <a:t> MATLAB</a:t>
+            </a:r>
+          </a:p>
+          <a:p>
+            <a:pPr lvl="1"/>
+            <a:r>
+              <a:rPr lang="nl-BE" dirty="0" err="1">
+                <a:sym typeface="Wingdings" panose="05000000000000000000" pitchFamily="2" charset="2"/>
+              </a:rPr>
+              <a:t>Results</a:t>
+            </a:r>
+            <a:r>
+              <a:rPr lang="nl-BE" dirty="0">
+                <a:sym typeface="Wingdings" panose="05000000000000000000" pitchFamily="2" charset="2"/>
+              </a:rPr>
+              <a:t> are </a:t>
+            </a:r>
+            <a:r>
+              <a:rPr lang="nl-BE" dirty="0" err="1">
+                <a:sym typeface="Wingdings" panose="05000000000000000000" pitchFamily="2" charset="2"/>
+              </a:rPr>
+              <a:t>the</a:t>
+            </a:r>
+            <a:r>
+              <a:rPr lang="nl-BE" dirty="0">
+                <a:sym typeface="Wingdings" panose="05000000000000000000" pitchFamily="2" charset="2"/>
+              </a:rPr>
+              <a:t> </a:t>
+            </a:r>
+            <a:r>
+              <a:rPr lang="nl-BE" dirty="0" err="1">
+                <a:sym typeface="Wingdings" panose="05000000000000000000" pitchFamily="2" charset="2"/>
+              </a:rPr>
+              <a:t>same</a:t>
+            </a:r>
+            <a:r>
+              <a:rPr lang="nl-BE" dirty="0">
+                <a:sym typeface="Wingdings" panose="05000000000000000000" pitchFamily="2" charset="2"/>
+              </a:rPr>
+              <a:t> down </a:t>
+            </a:r>
+            <a:r>
+              <a:rPr lang="nl-BE" dirty="0" err="1">
+                <a:sym typeface="Wingdings" panose="05000000000000000000" pitchFamily="2" charset="2"/>
+              </a:rPr>
+              <a:t>to</a:t>
+            </a:r>
+            <a:r>
+              <a:rPr lang="nl-BE" dirty="0">
+                <a:sym typeface="Wingdings" panose="05000000000000000000" pitchFamily="2" charset="2"/>
+              </a:rPr>
+              <a:t> </a:t>
+            </a:r>
+            <a:r>
+              <a:rPr lang="nl-BE" dirty="0" err="1">
+                <a:sym typeface="Wingdings" panose="05000000000000000000" pitchFamily="2" charset="2"/>
+              </a:rPr>
+              <a:t>the</a:t>
+            </a:r>
+            <a:r>
+              <a:rPr lang="nl-BE" dirty="0">
+                <a:sym typeface="Wingdings" panose="05000000000000000000" pitchFamily="2" charset="2"/>
+              </a:rPr>
+              <a:t> last bit</a:t>
+            </a:r>
+          </a:p>
+          <a:p>
+            <a:endParaRPr lang="en-GB" dirty="0"/>
           </a:p>
         </p:txBody>
       </p:sp>
@@ -1834,7 +1980,7 @@
           <a:p>
             <a:fld id="{A24EF1B0-8D48-4F34-B819-7245FD8B9663}" type="slidenum">
               <a:rPr lang="en-US" smtClean="0"/>
-              <a:t>14</a:t>
+              <a:t>12</a:t>
             </a:fld>
             <a:endParaRPr lang="en-US"/>
           </a:p>
@@ -1843,7 +1989,7 @@
     </p:spTree>
     <p:extLst>
       <p:ext uri="{BB962C8B-B14F-4D97-AF65-F5344CB8AC3E}">
-        <p14:creationId xmlns:p14="http://schemas.microsoft.com/office/powerpoint/2010/main" val="925083519"/>
+        <p14:creationId xmlns:p14="http://schemas.microsoft.com/office/powerpoint/2010/main" val="75769699"/>
       </p:ext>
     </p:extLst>
   </p:cSld>
@@ -1901,101 +2047,6 @@
               <a:rPr lang="nl-BE" dirty="0"/>
               <a:t>Percentages op totaal en niet op de aangepaste functie</a:t>
             </a:r>
-            <a:br>
-              <a:rPr lang="nl-BE" dirty="0"/>
-            </a:br>
-            <a:br>
-              <a:rPr lang="nl-BE" dirty="0"/>
-            </a:br>
-            <a:r>
-              <a:rPr lang="nl-BE" dirty="0" err="1"/>
-              <a:t>Removed</a:t>
-            </a:r>
-            <a:r>
-              <a:rPr lang="nl-BE" baseline="0" dirty="0"/>
-              <a:t> </a:t>
-            </a:r>
-            <a:r>
-              <a:rPr lang="nl-BE" baseline="0" dirty="0" err="1"/>
-              <a:t>because</a:t>
-            </a:r>
-            <a:r>
-              <a:rPr lang="nl-BE" baseline="0" dirty="0"/>
-              <a:t> </a:t>
-            </a:r>
-            <a:r>
-              <a:rPr lang="nl-BE" baseline="0" dirty="0" err="1"/>
-              <a:t>mentioned</a:t>
-            </a:r>
-            <a:r>
-              <a:rPr lang="nl-BE" baseline="0" dirty="0"/>
-              <a:t> later:</a:t>
-            </a:r>
-            <a:endParaRPr lang="nl-BE" dirty="0"/>
-          </a:p>
-          <a:p>
-            <a:r>
-              <a:rPr lang="en-US" dirty="0">
-                <a:sym typeface="Wingdings" panose="05000000000000000000" pitchFamily="2" charset="2"/>
-              </a:rPr>
-              <a:t>Test inline:</a:t>
-            </a:r>
-          </a:p>
-          <a:p>
-            <a:pPr lvl="1"/>
-            <a:r>
-              <a:rPr lang="en-US" dirty="0" err="1">
-                <a:sym typeface="Wingdings" panose="05000000000000000000" pitchFamily="2" charset="2"/>
-              </a:rPr>
-              <a:t>Synthesis+analysis</a:t>
-            </a:r>
-            <a:r>
-              <a:rPr lang="en-US" dirty="0">
-                <a:sym typeface="Wingdings" panose="05000000000000000000" pitchFamily="2" charset="2"/>
-              </a:rPr>
-              <a:t> fully </a:t>
-            </a:r>
-            <a:r>
-              <a:rPr lang="en-US" dirty="0" err="1">
-                <a:sym typeface="Wingdings" panose="05000000000000000000" pitchFamily="2" charset="2"/>
-              </a:rPr>
-              <a:t>inlined</a:t>
-            </a:r>
-            <a:r>
-              <a:rPr lang="en-US" dirty="0">
-                <a:sym typeface="Wingdings" panose="05000000000000000000" pitchFamily="2" charset="2"/>
-              </a:rPr>
-              <a:t>:</a:t>
-            </a:r>
-          </a:p>
-          <a:p>
-            <a:pPr lvl="2"/>
-            <a:r>
-              <a:rPr lang="en-US" dirty="0">
-                <a:sym typeface="Wingdings" panose="05000000000000000000" pitchFamily="2" charset="2"/>
-              </a:rPr>
-              <a:t>300k better (~5%)</a:t>
-            </a:r>
-          </a:p>
-          <a:p>
-            <a:pPr lvl="2"/>
-            <a:r>
-              <a:rPr lang="en-US" dirty="0">
-                <a:sym typeface="Wingdings" panose="05000000000000000000" pitchFamily="2" charset="2"/>
-              </a:rPr>
-              <a:t>At this point not worth it</a:t>
-            </a:r>
-          </a:p>
-          <a:p>
-            <a:pPr lvl="3"/>
-            <a:r>
-              <a:rPr lang="en-US" sz="2000" dirty="0">
-                <a:sym typeface="Wingdings" panose="05000000000000000000" pitchFamily="2" charset="2"/>
-              </a:rPr>
-              <a:t>Reverted for space and readability/manageability</a:t>
-            </a:r>
-          </a:p>
-          <a:p>
             <a:endParaRPr lang="en-US" dirty="0"/>
           </a:p>
         </p:txBody>
@@ -2017,7 +2068,7 @@
           <a:p>
             <a:fld id="{A24EF1B0-8D48-4F34-B819-7245FD8B9663}" type="slidenum">
               <a:rPr lang="en-US" smtClean="0"/>
-              <a:t>15</a:t>
+              <a:t>14</a:t>
             </a:fld>
             <a:endParaRPr lang="en-US"/>
           </a:p>
@@ -2026,7 +2077,7 @@
     </p:spTree>
     <p:extLst>
       <p:ext uri="{BB962C8B-B14F-4D97-AF65-F5344CB8AC3E}">
-        <p14:creationId xmlns:p14="http://schemas.microsoft.com/office/powerpoint/2010/main" val="2518672654"/>
+        <p14:creationId xmlns:p14="http://schemas.microsoft.com/office/powerpoint/2010/main" val="925083519"/>
       </p:ext>
     </p:extLst>
   </p:cSld>
@@ -2082,8 +2133,107 @@
           <a:p>
             <a:r>
               <a:rPr lang="nl-BE" dirty="0"/>
-              <a:t>NU WEL PER FUNCTIE</a:t>
-            </a:r>
+              <a:t>Percentages op totaal en niet op de aangepaste functie</a:t>
+            </a:r>
+            <a:br>
+              <a:rPr lang="nl-BE" dirty="0"/>
+            </a:br>
+            <a:r>
+              <a:rPr lang="nl-BE" dirty="0"/>
+              <a:t/>
+            </a:r>
+            <a:br>
+              <a:rPr lang="nl-BE" dirty="0"/>
+            </a:br>
+            <a:r>
+              <a:rPr lang="nl-BE" dirty="0" err="1"/>
+              <a:t>Removed</a:t>
+            </a:r>
+            <a:r>
+              <a:rPr lang="nl-BE" baseline="0" dirty="0"/>
+              <a:t> </a:t>
+            </a:r>
+            <a:r>
+              <a:rPr lang="nl-BE" baseline="0" dirty="0" err="1"/>
+              <a:t>because</a:t>
+            </a:r>
+            <a:r>
+              <a:rPr lang="nl-BE" baseline="0" dirty="0"/>
+              <a:t> </a:t>
+            </a:r>
+            <a:r>
+              <a:rPr lang="nl-BE" baseline="0" dirty="0" err="1"/>
+              <a:t>mentioned</a:t>
+            </a:r>
+            <a:r>
+              <a:rPr lang="nl-BE" baseline="0" dirty="0"/>
+              <a:t> later:</a:t>
+            </a:r>
+            <a:endParaRPr lang="nl-BE" dirty="0"/>
+          </a:p>
+          <a:p>
+            <a:r>
+              <a:rPr lang="en-US" dirty="0">
+                <a:sym typeface="Wingdings" panose="05000000000000000000" pitchFamily="2" charset="2"/>
+              </a:rPr>
+              <a:t>Test inline:</a:t>
+            </a:r>
+          </a:p>
+          <a:p>
+            <a:pPr lvl="1"/>
+            <a:r>
+              <a:rPr lang="en-US" dirty="0" err="1">
+                <a:sym typeface="Wingdings" panose="05000000000000000000" pitchFamily="2" charset="2"/>
+              </a:rPr>
+              <a:t>Synthesis+analysis</a:t>
+            </a:r>
+            <a:r>
+              <a:rPr lang="en-US" dirty="0">
+                <a:sym typeface="Wingdings" panose="05000000000000000000" pitchFamily="2" charset="2"/>
+              </a:rPr>
+              <a:t> fully </a:t>
+            </a:r>
+            <a:r>
+              <a:rPr lang="en-US" dirty="0" err="1">
+                <a:sym typeface="Wingdings" panose="05000000000000000000" pitchFamily="2" charset="2"/>
+              </a:rPr>
+              <a:t>inlined</a:t>
+            </a:r>
+            <a:r>
+              <a:rPr lang="en-US" dirty="0">
+                <a:sym typeface="Wingdings" panose="05000000000000000000" pitchFamily="2" charset="2"/>
+              </a:rPr>
+              <a:t>:</a:t>
+            </a:r>
+          </a:p>
+          <a:p>
+            <a:pPr lvl="2"/>
+            <a:r>
+              <a:rPr lang="en-US" dirty="0">
+                <a:sym typeface="Wingdings" panose="05000000000000000000" pitchFamily="2" charset="2"/>
+              </a:rPr>
+              <a:t>300k better (~5%)</a:t>
+            </a:r>
+          </a:p>
+          <a:p>
+            <a:pPr lvl="2"/>
+            <a:r>
+              <a:rPr lang="en-US" dirty="0">
+                <a:sym typeface="Wingdings" panose="05000000000000000000" pitchFamily="2" charset="2"/>
+              </a:rPr>
+              <a:t>At this point not worth it</a:t>
+            </a:r>
+          </a:p>
+          <a:p>
+            <a:pPr lvl="3"/>
+            <a:r>
+              <a:rPr lang="en-US" sz="2000" dirty="0">
+                <a:sym typeface="Wingdings" panose="05000000000000000000" pitchFamily="2" charset="2"/>
+              </a:rPr>
+              <a:t>Reverted for space and readability/manageability</a:t>
+            </a:r>
+          </a:p>
+          <a:p>
             <a:endParaRPr lang="en-US" dirty="0"/>
           </a:p>
         </p:txBody>
@@ -2105,7 +2255,7 @@
           <a:p>
             <a:fld id="{A24EF1B0-8D48-4F34-B819-7245FD8B9663}" type="slidenum">
               <a:rPr lang="en-US" smtClean="0"/>
-              <a:t>16</a:t>
+              <a:t>15</a:t>
             </a:fld>
             <a:endParaRPr lang="en-US"/>
           </a:p>
@@ -2114,7 +2264,7 @@
     </p:spTree>
     <p:extLst>
       <p:ext uri="{BB962C8B-B14F-4D97-AF65-F5344CB8AC3E}">
-        <p14:creationId xmlns:p14="http://schemas.microsoft.com/office/powerpoint/2010/main" val="3319125162"/>
+        <p14:creationId xmlns:p14="http://schemas.microsoft.com/office/powerpoint/2010/main" val="2518672654"/>
       </p:ext>
     </p:extLst>
   </p:cSld>
@@ -8789,14 +8939,12 @@
           <a:lstStyle/>
           <a:p>
             <a:r>
-              <a:rPr lang="nl-BE" dirty="0"/>
-              <a:t>Pointers</a:t>
-            </a:r>
-          </a:p>
-          <a:p>
-            <a:r>
-              <a:rPr lang="nl-BE" dirty="0"/>
-              <a:t>Debugging:</a:t>
+              <a:rPr lang="nl-BE" dirty="0" smtClean="0"/>
+              <a:t>Debugging</a:t>
+            </a:r>
+            <a:r>
+              <a:rPr lang="nl-BE" dirty="0"/>
+              <a:t>:</a:t>
             </a:r>
           </a:p>
           <a:p>
@@ -10346,11 +10494,35 @@
               <a:t> x 2: </a:t>
             </a:r>
             <a:r>
-              <a:rPr lang="nl-BE" u="sng" dirty="0">
+              <a:rPr lang="nl-BE" u="sng" dirty="0" smtClean="0">
                 <a:sym typeface="Wingdings" panose="05000000000000000000" pitchFamily="2" charset="2"/>
               </a:rPr>
               <a:t>13,6</a:t>
             </a:r>
+          </a:p>
+          <a:p>
+            <a:pPr lvl="1"/>
+            <a:r>
+              <a:rPr lang="nl-BE" dirty="0" smtClean="0">
+                <a:sym typeface="Wingdings" panose="05000000000000000000" pitchFamily="2" charset="2"/>
+              </a:rPr>
+              <a:t> bottleneck = </a:t>
+            </a:r>
+            <a:r>
+              <a:rPr lang="nl-BE" dirty="0" err="1" smtClean="0">
+                <a:sym typeface="Wingdings" panose="05000000000000000000" pitchFamily="2" charset="2"/>
+              </a:rPr>
+              <a:t>writing</a:t>
+            </a:r>
+            <a:r>
+              <a:rPr lang="nl-BE" dirty="0" smtClean="0">
+                <a:sym typeface="Wingdings" panose="05000000000000000000" pitchFamily="2" charset="2"/>
+              </a:rPr>
+              <a:t> output</a:t>
+            </a:r>
+            <a:endParaRPr lang="nl-BE" dirty="0">
+              <a:sym typeface="Wingdings" panose="05000000000000000000" pitchFamily="2" charset="2"/>
+            </a:endParaRPr>
           </a:p>
           <a:p>
             <a:r>
@@ -10624,14 +10796,50 @@
             <a:pPr lvl="1"/>
             <a:r>
               <a:rPr lang="en-US" dirty="0"/>
-              <a:t>Structure easily changeable</a:t>
+              <a:t>Structure easily </a:t>
+            </a:r>
+            <a:r>
+              <a:rPr lang="en-US" dirty="0" smtClean="0"/>
+              <a:t>changeable</a:t>
             </a:r>
           </a:p>
           <a:p>
             <a:pPr lvl="2"/>
             <a:r>
-              <a:rPr lang="en-US" dirty="0"/>
-              <a:t>but if asymmetrical: account for delay</a:t>
+              <a:rPr lang="nl-BE" dirty="0" err="1" smtClean="0">
+                <a:sym typeface="Wingdings" panose="05000000000000000000" pitchFamily="2" charset="2"/>
+              </a:rPr>
+              <a:t>If</a:t>
+            </a:r>
+            <a:r>
+              <a:rPr lang="nl-BE" dirty="0" smtClean="0">
+                <a:sym typeface="Wingdings" panose="05000000000000000000" pitchFamily="2" charset="2"/>
+              </a:rPr>
+              <a:t> </a:t>
+            </a:r>
+            <a:r>
+              <a:rPr lang="nl-BE" dirty="0" err="1" smtClean="0">
+                <a:sym typeface="Wingdings" panose="05000000000000000000" pitchFamily="2" charset="2"/>
+              </a:rPr>
+              <a:t>asymmetrical</a:t>
+            </a:r>
+            <a:r>
+              <a:rPr lang="nl-BE" dirty="0" smtClean="0">
+                <a:sym typeface="Wingdings" panose="05000000000000000000" pitchFamily="2" charset="2"/>
+              </a:rPr>
+              <a:t>: account </a:t>
+            </a:r>
+            <a:r>
+              <a:rPr lang="nl-BE" dirty="0" err="1" smtClean="0">
+                <a:sym typeface="Wingdings" panose="05000000000000000000" pitchFamily="2" charset="2"/>
+              </a:rPr>
+              <a:t>for</a:t>
+            </a:r>
+            <a:r>
+              <a:rPr lang="nl-BE" dirty="0" smtClean="0">
+                <a:sym typeface="Wingdings" panose="05000000000000000000" pitchFamily="2" charset="2"/>
+              </a:rPr>
+              <a:t> delay</a:t>
             </a:r>
             <a:endParaRPr lang="en-US" dirty="0">
               <a:sym typeface="Wingdings" panose="05000000000000000000" pitchFamily="2" charset="2"/>
@@ -10771,8 +10979,55 @@
               <a:rPr lang="nl-BE" dirty="0">
                 <a:sym typeface="Wingdings" panose="05000000000000000000" pitchFamily="2" charset="2"/>
               </a:rPr>
-              <a:t> C</a:t>
-            </a:r>
+              <a:t> </a:t>
+            </a:r>
+            <a:r>
+              <a:rPr lang="nl-BE" dirty="0" smtClean="0">
+                <a:sym typeface="Wingdings" panose="05000000000000000000" pitchFamily="2" charset="2"/>
+              </a:rPr>
+              <a:t>C</a:t>
+            </a:r>
+          </a:p>
+          <a:p>
+            <a:r>
+              <a:rPr lang="nl-BE" dirty="0" smtClean="0">
+                <a:sym typeface="Wingdings" panose="05000000000000000000" pitchFamily="2" charset="2"/>
+              </a:rPr>
+              <a:t>Small </a:t>
+            </a:r>
+            <a:r>
+              <a:rPr lang="nl-BE" dirty="0" err="1" smtClean="0">
+                <a:sym typeface="Wingdings" panose="05000000000000000000" pitchFamily="2" charset="2"/>
+              </a:rPr>
+              <a:t>optimization</a:t>
+            </a:r>
+            <a:r>
+              <a:rPr lang="nl-BE" dirty="0" smtClean="0">
+                <a:sym typeface="Wingdings" panose="05000000000000000000" pitchFamily="2" charset="2"/>
+              </a:rPr>
+              <a:t>: updating power </a:t>
+            </a:r>
+            <a:r>
+              <a:rPr lang="nl-BE" dirty="0" err="1" smtClean="0">
+                <a:sym typeface="Wingdings" panose="05000000000000000000" pitchFamily="2" charset="2"/>
+              </a:rPr>
+              <a:t>instead</a:t>
+            </a:r>
+            <a:r>
+              <a:rPr lang="nl-BE" dirty="0" smtClean="0">
+                <a:sym typeface="Wingdings" panose="05000000000000000000" pitchFamily="2" charset="2"/>
+              </a:rPr>
+              <a:t> of </a:t>
+            </a:r>
+            <a:r>
+              <a:rPr lang="nl-BE" dirty="0" err="1" smtClean="0">
+                <a:sym typeface="Wingdings" panose="05000000000000000000" pitchFamily="2" charset="2"/>
+              </a:rPr>
+              <a:t>recalculating</a:t>
+            </a:r>
+            <a:endParaRPr lang="nl-BE" dirty="0">
+              <a:sym typeface="Wingdings" panose="05000000000000000000" pitchFamily="2" charset="2"/>
+            </a:endParaRPr>
           </a:p>
           <a:p>
             <a:pPr lvl="1"/>
@@ -11132,8 +11387,8 @@
           <a:lstStyle/>
           <a:p>
             <a:r>
-              <a:rPr lang="nl-BE" dirty="0"/>
-              <a:t>DSP-C: summary</a:t>
+              <a:rPr lang="nl-BE" dirty="0" err="1" smtClean="0"/>
+              <a:t>DSP:problems</a:t>
             </a:r>
             <a:endParaRPr lang="en-US" dirty="0"/>
           </a:p>
@@ -11155,139 +11410,55 @@
           <a:lstStyle/>
           <a:p>
             <a:r>
-              <a:rPr lang="nl-BE" dirty="0" err="1"/>
-              <a:t>Including</a:t>
-            </a:r>
-            <a:r>
-              <a:rPr lang="nl-BE" dirty="0"/>
+              <a:rPr lang="nl-BE" dirty="0" err="1" smtClean="0"/>
+              <a:t>Uninitialized</a:t>
+            </a:r>
+            <a:r>
+              <a:rPr lang="nl-BE" dirty="0" smtClean="0"/>
               <a:t> </a:t>
             </a:r>
             <a:r>
-              <a:rPr lang="nl-BE" dirty="0" err="1"/>
-              <a:t>initial</a:t>
-            </a:r>
-            <a:r>
-              <a:rPr lang="nl-BE" dirty="0"/>
-              <a:t> x2:  x13,6 gain</a:t>
-            </a:r>
-          </a:p>
-          <a:p>
-            <a:pPr lvl="1"/>
-            <a:r>
-              <a:rPr lang="nl-BE" dirty="0">
-                <a:sym typeface="Wingdings" panose="05000000000000000000" pitchFamily="2" charset="2"/>
-              </a:rPr>
-              <a:t> 1,071 </a:t>
-            </a:r>
-            <a:r>
-              <a:rPr lang="nl-BE" dirty="0" err="1">
-                <a:sym typeface="Wingdings" panose="05000000000000000000" pitchFamily="2" charset="2"/>
-              </a:rPr>
-              <a:t>cycles</a:t>
-            </a:r>
-            <a:r>
-              <a:rPr lang="nl-BE" dirty="0">
-                <a:sym typeface="Wingdings" panose="05000000000000000000" pitchFamily="2" charset="2"/>
-              </a:rPr>
-              <a:t>/sample</a:t>
-            </a:r>
-            <a:endParaRPr lang="nl-BE" dirty="0"/>
-          </a:p>
-          <a:p>
-            <a:endParaRPr lang="nl-BE" dirty="0"/>
-          </a:p>
-          <a:p>
-            <a:r>
-              <a:rPr lang="nl-BE" dirty="0"/>
-              <a:t>Bit/bit correct output</a:t>
-            </a:r>
-          </a:p>
-          <a:p>
-            <a:pPr lvl="1"/>
-            <a:r>
-              <a:rPr lang="nl-BE" dirty="0">
-                <a:sym typeface="Wingdings" panose="05000000000000000000" pitchFamily="2" charset="2"/>
-              </a:rPr>
-              <a:t> </a:t>
-            </a:r>
-            <a:r>
-              <a:rPr lang="nl-BE" dirty="0" err="1">
-                <a:sym typeface="Wingdings" panose="05000000000000000000" pitchFamily="2" charset="2"/>
-              </a:rPr>
-              <a:t>guaranteed</a:t>
-            </a:r>
-            <a:r>
-              <a:rPr lang="nl-BE" dirty="0">
-                <a:sym typeface="Wingdings" panose="05000000000000000000" pitchFamily="2" charset="2"/>
-              </a:rPr>
+              <a:rPr lang="nl-BE" dirty="0" err="1" smtClean="0"/>
+              <a:t>variable</a:t>
+            </a:r>
+            <a:endParaRPr lang="nl-BE" dirty="0" smtClean="0"/>
+          </a:p>
+          <a:p>
+            <a:r>
+              <a:rPr lang="nl-BE" dirty="0" smtClean="0"/>
+              <a:t>Wrong </a:t>
+            </a:r>
+            <a:r>
+              <a:rPr lang="nl-BE" dirty="0" err="1" smtClean="0"/>
+              <a:t>configuration</a:t>
+            </a:r>
+            <a:endParaRPr lang="nl-BE" dirty="0" smtClean="0"/>
+          </a:p>
+          <a:p>
+            <a:r>
+              <a:rPr lang="nl-BE" dirty="0" smtClean="0"/>
+              <a:t>Real-time </a:t>
+            </a:r>
+            <a:r>
+              <a:rPr lang="nl-BE" dirty="0" err="1" smtClean="0"/>
+              <a:t>not</a:t>
+            </a:r>
+            <a:r>
+              <a:rPr lang="nl-BE" dirty="0" smtClean="0"/>
               <a:t> </a:t>
             </a:r>
             <a:r>
-              <a:rPr lang="nl-BE" dirty="0" err="1">
-                <a:sym typeface="Wingdings" panose="05000000000000000000" pitchFamily="2" charset="2"/>
-              </a:rPr>
-              <a:t>same</a:t>
-            </a:r>
-            <a:r>
-              <a:rPr lang="nl-BE" dirty="0">
-                <a:sym typeface="Wingdings" panose="05000000000000000000" pitchFamily="2" charset="2"/>
-              </a:rPr>
-              <a:t> PESQ scores as in MATLAB:</a:t>
-            </a:r>
-          </a:p>
-          <a:p>
-            <a:pPr marL="720000" lvl="2" indent="0">
-              <a:buNone/>
-            </a:pPr>
-            <a:r>
-              <a:rPr lang="nl-BE" dirty="0">
-                <a:sym typeface="Wingdings" panose="05000000000000000000" pitchFamily="2" charset="2"/>
-              </a:rPr>
-              <a:t>	 parameters </a:t>
-            </a:r>
-            <a:r>
-              <a:rPr lang="nl-BE" dirty="0" err="1">
-                <a:sym typeface="Wingdings" panose="05000000000000000000" pitchFamily="2" charset="2"/>
-              </a:rPr>
-              <a:t>still</a:t>
-            </a:r>
-            <a:r>
-              <a:rPr lang="nl-BE" dirty="0">
-                <a:sym typeface="Wingdings" panose="05000000000000000000" pitchFamily="2" charset="2"/>
-              </a:rPr>
-              <a:t> </a:t>
-            </a:r>
-            <a:r>
-              <a:rPr lang="nl-BE" dirty="0" err="1">
-                <a:sym typeface="Wingdings" panose="05000000000000000000" pitchFamily="2" charset="2"/>
-              </a:rPr>
-              <a:t>easily</a:t>
-            </a:r>
-            <a:r>
-              <a:rPr lang="nl-BE" dirty="0">
-                <a:sym typeface="Wingdings" panose="05000000000000000000" pitchFamily="2" charset="2"/>
-              </a:rPr>
-              <a:t> </a:t>
-            </a:r>
-            <a:r>
-              <a:rPr lang="nl-BE" dirty="0" err="1">
-                <a:sym typeface="Wingdings" panose="05000000000000000000" pitchFamily="2" charset="2"/>
-              </a:rPr>
-              <a:t>testable</a:t>
-            </a:r>
-            <a:endParaRPr lang="nl-BE" dirty="0">
-              <a:sym typeface="Wingdings" panose="05000000000000000000" pitchFamily="2" charset="2"/>
-            </a:endParaRPr>
-          </a:p>
-          <a:p>
-            <a:endParaRPr lang="en-US" dirty="0"/>
+              <a:rPr lang="nl-BE" dirty="0" err="1" smtClean="0"/>
+              <a:t>working</a:t>
+            </a:r>
+            <a:endParaRPr lang="nl-BE" dirty="0" smtClean="0"/>
           </a:p>
         </p:txBody>
       </p:sp>
     </p:spTree>
     <p:extLst>
       <p:ext uri="{BB962C8B-B14F-4D97-AF65-F5344CB8AC3E}">
-        <p14:creationId xmlns:p14="http://schemas.microsoft.com/office/powerpoint/2010/main" val="1142908502"/>
+        <p14:creationId xmlns:p14="http://schemas.microsoft.com/office/powerpoint/2010/main" val="1314626990"/>
       </p:ext>
     </p:extLst>
   </p:cSld>
@@ -11329,7 +11500,11 @@
           <a:bodyPr/>
           <a:lstStyle/>
           <a:p>
-            <a:endParaRPr lang="en-US"/>
+            <a:r>
+              <a:rPr lang="nl-BE" dirty="0"/>
+              <a:t>DSP-C: summary</a:t>
+            </a:r>
+            <a:endParaRPr lang="en-US" dirty="0"/>
           </a:p>
         </p:txBody>
       </p:sp>
@@ -11348,14 +11523,140 @@
           <a:bodyPr/>
           <a:lstStyle/>
           <a:p>
-            <a:endParaRPr lang="en-US"/>
+            <a:r>
+              <a:rPr lang="nl-BE" dirty="0" err="1"/>
+              <a:t>Including</a:t>
+            </a:r>
+            <a:r>
+              <a:rPr lang="nl-BE" dirty="0"/>
+              <a:t> </a:t>
+            </a:r>
+            <a:r>
+              <a:rPr lang="nl-BE" dirty="0" err="1"/>
+              <a:t>initial</a:t>
+            </a:r>
+            <a:r>
+              <a:rPr lang="nl-BE" dirty="0"/>
+              <a:t> x2:  x13,6 gain</a:t>
+            </a:r>
+          </a:p>
+          <a:p>
+            <a:pPr lvl="1"/>
+            <a:r>
+              <a:rPr lang="nl-BE" dirty="0">
+                <a:sym typeface="Wingdings" panose="05000000000000000000" pitchFamily="2" charset="2"/>
+              </a:rPr>
+              <a:t> 1,071 </a:t>
+            </a:r>
+            <a:r>
+              <a:rPr lang="nl-BE" dirty="0" err="1">
+                <a:sym typeface="Wingdings" panose="05000000000000000000" pitchFamily="2" charset="2"/>
+              </a:rPr>
+              <a:t>cycles</a:t>
+            </a:r>
+            <a:r>
+              <a:rPr lang="nl-BE" dirty="0">
+                <a:sym typeface="Wingdings" panose="05000000000000000000" pitchFamily="2" charset="2"/>
+              </a:rPr>
+              <a:t>/sample</a:t>
+            </a:r>
+            <a:endParaRPr lang="nl-BE" dirty="0"/>
+          </a:p>
+          <a:p>
+            <a:endParaRPr lang="nl-BE" dirty="0"/>
+          </a:p>
+          <a:p>
+            <a:r>
+              <a:rPr lang="nl-BE" dirty="0"/>
+              <a:t>Bit/bit correct output</a:t>
+            </a:r>
+          </a:p>
+          <a:p>
+            <a:pPr lvl="1"/>
+            <a:r>
+              <a:rPr lang="nl-BE" dirty="0">
+                <a:sym typeface="Wingdings" panose="05000000000000000000" pitchFamily="2" charset="2"/>
+              </a:rPr>
+              <a:t> </a:t>
+            </a:r>
+            <a:r>
+              <a:rPr lang="nl-BE" dirty="0" err="1">
+                <a:sym typeface="Wingdings" panose="05000000000000000000" pitchFamily="2" charset="2"/>
+              </a:rPr>
+              <a:t>guaranteed</a:t>
+            </a:r>
+            <a:r>
+              <a:rPr lang="nl-BE" dirty="0">
+                <a:sym typeface="Wingdings" panose="05000000000000000000" pitchFamily="2" charset="2"/>
+              </a:rPr>
+              <a:t> </a:t>
+            </a:r>
+            <a:r>
+              <a:rPr lang="nl-BE" dirty="0" err="1">
+                <a:sym typeface="Wingdings" panose="05000000000000000000" pitchFamily="2" charset="2"/>
+              </a:rPr>
+              <a:t>same</a:t>
+            </a:r>
+            <a:r>
+              <a:rPr lang="nl-BE" dirty="0">
+                <a:sym typeface="Wingdings" panose="05000000000000000000" pitchFamily="2" charset="2"/>
+              </a:rPr>
+              <a:t> PESQ scores as in MATLAB:</a:t>
+            </a:r>
+          </a:p>
+          <a:p>
+            <a:pPr marL="720000" lvl="2" indent="0">
+              <a:buNone/>
+            </a:pPr>
+            <a:r>
+              <a:rPr lang="nl-BE" dirty="0">
+                <a:sym typeface="Wingdings" panose="05000000000000000000" pitchFamily="2" charset="2"/>
+              </a:rPr>
+              <a:t>	 parameters </a:t>
+            </a:r>
+            <a:r>
+              <a:rPr lang="nl-BE" dirty="0" err="1">
+                <a:sym typeface="Wingdings" panose="05000000000000000000" pitchFamily="2" charset="2"/>
+              </a:rPr>
+              <a:t>still</a:t>
+            </a:r>
+            <a:r>
+              <a:rPr lang="nl-BE" dirty="0">
+                <a:sym typeface="Wingdings" panose="05000000000000000000" pitchFamily="2" charset="2"/>
+              </a:rPr>
+              <a:t> </a:t>
+            </a:r>
+            <a:r>
+              <a:rPr lang="nl-BE" dirty="0" err="1">
+                <a:sym typeface="Wingdings" panose="05000000000000000000" pitchFamily="2" charset="2"/>
+              </a:rPr>
+              <a:t>easily</a:t>
+            </a:r>
+            <a:r>
+              <a:rPr lang="nl-BE" dirty="0">
+                <a:sym typeface="Wingdings" panose="05000000000000000000" pitchFamily="2" charset="2"/>
+              </a:rPr>
+              <a:t> </a:t>
+            </a:r>
+            <a:r>
+              <a:rPr lang="nl-BE" dirty="0" err="1">
+                <a:sym typeface="Wingdings" panose="05000000000000000000" pitchFamily="2" charset="2"/>
+              </a:rPr>
+              <a:t>testable</a:t>
+            </a:r>
+            <a:endParaRPr lang="nl-BE" dirty="0">
+              <a:sym typeface="Wingdings" panose="05000000000000000000" pitchFamily="2" charset="2"/>
+            </a:endParaRPr>
+          </a:p>
+          <a:p>
+            <a:endParaRPr lang="en-US" dirty="0"/>
           </a:p>
         </p:txBody>
       </p:sp>
     </p:spTree>
     <p:extLst>
       <p:ext uri="{BB962C8B-B14F-4D97-AF65-F5344CB8AC3E}">
-        <p14:creationId xmlns:p14="http://schemas.microsoft.com/office/powerpoint/2010/main" val="2990960414"/>
+        <p14:creationId xmlns:p14="http://schemas.microsoft.com/office/powerpoint/2010/main" val="1142908502"/>
       </p:ext>
     </p:extLst>
   </p:cSld>
@@ -11365,8 +11666,8 @@
 </p:sld>
 </file>
 
-<file path=ppt/slides/slide3.xml><?xml version="1.0" encoding="utf-8"?>
-<p:sld xmlns:a="http://schemas.openxmlformats.org/drawingml/2006/main" xmlns:r="http://schemas.openxmlformats.org/officeDocument/2006/relationships" xmlns:p="http://schemas.openxmlformats.org/presentationml/2006/main" show="0">
+<file path=ppt/slides/slide23.xml><?xml version="1.0" encoding="utf-8"?>
+<p:sld xmlns:a="http://schemas.openxmlformats.org/drawingml/2006/main" xmlns:r="http://schemas.openxmlformats.org/officeDocument/2006/relationships" xmlns:p="http://schemas.openxmlformats.org/presentationml/2006/main">
   <p:cSld>
     <p:spTree>
       <p:nvGrpSpPr>
@@ -11397,6 +11698,74 @@
           <a:bodyPr/>
           <a:lstStyle/>
           <a:p>
+            <a:endParaRPr lang="en-US"/>
+          </a:p>
+        </p:txBody>
+      </p:sp>
+      <p:sp>
+        <p:nvSpPr>
+          <p:cNvPr id="3" name="Content Placeholder 2"/>
+          <p:cNvSpPr>
+            <a:spLocks noGrp="1"/>
+          </p:cNvSpPr>
+          <p:nvPr>
+            <p:ph idx="1"/>
+          </p:nvPr>
+        </p:nvSpPr>
+        <p:spPr/>
+        <p:txBody>
+          <a:bodyPr/>
+          <a:lstStyle/>
+          <a:p>
+            <a:endParaRPr lang="en-US"/>
+          </a:p>
+        </p:txBody>
+      </p:sp>
+    </p:spTree>
+    <p:extLst>
+      <p:ext uri="{BB962C8B-B14F-4D97-AF65-F5344CB8AC3E}">
+        <p14:creationId xmlns:p14="http://schemas.microsoft.com/office/powerpoint/2010/main" val="2990960414"/>
+      </p:ext>
+    </p:extLst>
+  </p:cSld>
+  <p:clrMapOvr>
+    <a:masterClrMapping/>
+  </p:clrMapOvr>
+</p:sld>
+</file>
+
+<file path=ppt/slides/slide3.xml><?xml version="1.0" encoding="utf-8"?>
+<p:sld xmlns:a="http://schemas.openxmlformats.org/drawingml/2006/main" xmlns:r="http://schemas.openxmlformats.org/officeDocument/2006/relationships" xmlns:p="http://schemas.openxmlformats.org/presentationml/2006/main">
+  <p:cSld>
+    <p:spTree>
+      <p:nvGrpSpPr>
+        <p:cNvPr id="1" name=""/>
+        <p:cNvGrpSpPr/>
+        <p:nvPr/>
+      </p:nvGrpSpPr>
+      <p:grpSpPr>
+        <a:xfrm>
+          <a:off x="0" y="0"/>
+          <a:ext cx="0" cy="0"/>
+          <a:chOff x="0" y="0"/>
+          <a:chExt cx="0" cy="0"/>
+        </a:xfrm>
+      </p:grpSpPr>
+      <p:sp>
+        <p:nvSpPr>
+          <p:cNvPr id="2" name="Title 1"/>
+          <p:cNvSpPr>
+            <a:spLocks noGrp="1"/>
+          </p:cNvSpPr>
+          <p:nvPr>
+            <p:ph type="title"/>
+          </p:nvPr>
+        </p:nvSpPr>
+        <p:spPr/>
+        <p:txBody>
+          <a:bodyPr/>
+          <a:lstStyle/>
+          <a:p>
             <a:r>
               <a:rPr lang="nl-BE" dirty="0"/>
               <a:t>Parameter </a:t>
@@ -11550,6 +11919,14 @@
   <p:clrMapOvr>
     <a:masterClrMapping/>
   </p:clrMapOvr>
+  <mc:AlternateContent xmlns:mc="http://schemas.openxmlformats.org/markup-compatibility/2006">
+    <mc:Choice xmlns:p14="http://schemas.microsoft.com/office/powerpoint/2010/main" Requires="p14">
+      <p:transition spd="slow" p14:dur="2000"/>
+    </mc:Choice>
+    <mc:Fallback>
+      <p:transition spd="slow"/>
+    </mc:Fallback>
+  </mc:AlternateContent>
 </p:sld>
 </file>
 
@@ -12390,13 +12767,14 @@
               <a:rPr lang="nl-BE" dirty="0">
                 <a:sym typeface="Wingdings" panose="05000000000000000000" pitchFamily="2" charset="2"/>
               </a:rPr>
-              <a:t>PESQ/SNR:</a:t>
-            </a:r>
-          </a:p>
-          <a:p>
-            <a:pPr marL="0" indent="0">
-              <a:buNone/>
-            </a:pPr>
+              <a:t>PESQ/SNR</a:t>
+            </a:r>
+            <a:r>
+              <a:rPr lang="nl-BE" dirty="0" smtClean="0">
+                <a:sym typeface="Wingdings" panose="05000000000000000000" pitchFamily="2" charset="2"/>
+              </a:rPr>
+              <a:t>: 3,35/16,8</a:t>
+            </a:r>
             <a:endParaRPr lang="nl-BE" dirty="0">
               <a:sym typeface="Wingdings" panose="05000000000000000000" pitchFamily="2" charset="2"/>
             </a:endParaRPr>
@@ -12823,21 +13201,45 @@
                 <a:sym typeface="Wingdings" panose="05000000000000000000" pitchFamily="2" charset="2"/>
               </a:rPr>
             </a:br>
+            <a:r>
+              <a:rPr lang="nl-BE" dirty="0">
+                <a:sym typeface="Wingdings" panose="05000000000000000000" pitchFamily="2" charset="2"/>
+              </a:rPr>
+              <a:t/>
+            </a:r>
             <a:br>
               <a:rPr lang="nl-BE" dirty="0">
                 <a:sym typeface="Wingdings" panose="05000000000000000000" pitchFamily="2" charset="2"/>
               </a:rPr>
             </a:br>
+            <a:r>
+              <a:rPr lang="nl-BE" dirty="0">
+                <a:sym typeface="Wingdings" panose="05000000000000000000" pitchFamily="2" charset="2"/>
+              </a:rPr>
+              <a:t/>
+            </a:r>
             <a:br>
               <a:rPr lang="nl-BE" dirty="0">
                 <a:sym typeface="Wingdings" panose="05000000000000000000" pitchFamily="2" charset="2"/>
               </a:rPr>
             </a:br>
+            <a:r>
+              <a:rPr lang="nl-BE" dirty="0">
+                <a:sym typeface="Wingdings" panose="05000000000000000000" pitchFamily="2" charset="2"/>
+              </a:rPr>
+              <a:t/>
+            </a:r>
             <a:br>
               <a:rPr lang="nl-BE" dirty="0">
                 <a:sym typeface="Wingdings" panose="05000000000000000000" pitchFamily="2" charset="2"/>
               </a:rPr>
             </a:br>
+            <a:r>
+              <a:rPr lang="nl-BE" dirty="0">
+                <a:sym typeface="Wingdings" panose="05000000000000000000" pitchFamily="2" charset="2"/>
+              </a:rPr>
+              <a:t/>
+            </a:r>
             <a:br>
               <a:rPr lang="nl-BE" dirty="0">
                 <a:sym typeface="Wingdings" panose="05000000000000000000" pitchFamily="2" charset="2"/>

--- a/Presentatie/Presentatie.pptx
+++ b/Presentatie/Presentatie.pptx
@@ -27,8 +27,8 @@
     <p:sldId id="272" r:id="rId18"/>
     <p:sldId id="274" r:id="rId19"/>
     <p:sldId id="276" r:id="rId20"/>
-    <p:sldId id="277" r:id="rId21"/>
-    <p:sldId id="278" r:id="rId22"/>
+    <p:sldId id="278" r:id="rId21"/>
+    <p:sldId id="277" r:id="rId22"/>
     <p:sldId id="281" r:id="rId23"/>
     <p:sldId id="279" r:id="rId24"/>
     <p:sldId id="273" r:id="rId25"/>
@@ -880,50 +880,216 @@
           <a:lstStyle/>
           <a:p>
             <a:r>
-              <a:rPr lang="nl-BE" dirty="0"/>
-              <a:t>TERUG OP TOTAAL</a:t>
-            </a:r>
-          </a:p>
-          <a:p>
-            <a:r>
-              <a:rPr lang="nl-BE" dirty="0" err="1"/>
-              <a:t>Trg</a:t>
-            </a:r>
-            <a:r>
-              <a:rPr lang="nl-BE" dirty="0"/>
-              <a:t> vermelden:</a:t>
-            </a:r>
-            <a:r>
-              <a:rPr lang="nl-BE" baseline="0" dirty="0"/>
-              <a:t> more compiler </a:t>
-            </a:r>
-            <a:r>
-              <a:rPr lang="nl-BE" baseline="0" dirty="0" err="1"/>
-              <a:t>freedom</a:t>
-            </a:r>
-            <a:r>
-              <a:rPr lang="nl-BE" baseline="0" dirty="0"/>
+              <a:rPr lang="en-GB" dirty="0"/>
+              <a:t>Removed: (Did not find it necessary to put this here since overall we implemented this and it did</a:t>
+            </a:r>
+            <a:r>
+              <a:rPr lang="en-GB" baseline="0" dirty="0"/>
+              <a:t> gain</a:t>
+            </a:r>
+            <a:endParaRPr lang="en-GB" dirty="0"/>
+          </a:p>
+          <a:p>
+            <a:r>
+              <a:rPr lang="nl-BE" dirty="0"/>
+              <a:t>UNROLL: </a:t>
+            </a:r>
+          </a:p>
+          <a:p>
+            <a:pPr lvl="1"/>
+            <a:r>
+              <a:rPr lang="nl-BE" dirty="0" err="1"/>
+              <a:t>Only</a:t>
+            </a:r>
+            <a:r>
+              <a:rPr lang="nl-BE" dirty="0"/>
+              <a:t> </a:t>
+            </a:r>
+            <a:r>
+              <a:rPr lang="nl-BE" dirty="0" err="1"/>
+              <a:t>really</a:t>
+            </a:r>
+            <a:r>
+              <a:rPr lang="nl-BE" dirty="0"/>
+              <a:t> </a:t>
+            </a:r>
+            <a:r>
+              <a:rPr lang="nl-BE" dirty="0" err="1"/>
+              <a:t>helped</a:t>
+            </a:r>
+            <a:r>
+              <a:rPr lang="nl-BE" dirty="0"/>
+              <a:t> in </a:t>
+            </a:r>
+            <a:r>
+              <a:rPr lang="nl-BE" dirty="0" err="1"/>
+              <a:t>convolve</a:t>
+            </a:r>
+            <a:r>
+              <a:rPr lang="nl-BE" dirty="0"/>
+              <a:t> (4x best)</a:t>
+            </a:r>
+          </a:p>
+          <a:p>
+            <a:r>
+              <a:rPr lang="en-GB" dirty="0"/>
+              <a:t/>
+            </a:r>
+            <a:br>
+              <a:rPr lang="en-GB" dirty="0"/>
+            </a:br>
+            <a:r>
+              <a:rPr lang="en-GB" dirty="0"/>
+              <a:t>Removed: (Don’t understand this)</a:t>
+            </a:r>
+            <a:br>
+              <a:rPr lang="en-GB" dirty="0"/>
+            </a:br>
+            <a:r>
+              <a:rPr lang="nl-BE" dirty="0" err="1"/>
+              <a:t>Looked</a:t>
+            </a:r>
+            <a:r>
+              <a:rPr lang="nl-BE" dirty="0"/>
+              <a:t> </a:t>
+            </a:r>
+            <a:r>
+              <a:rPr lang="nl-BE" dirty="0" err="1"/>
+              <a:t>for</a:t>
+            </a:r>
+            <a:r>
+              <a:rPr lang="nl-BE" dirty="0"/>
+              <a:t> </a:t>
+            </a:r>
+            <a:r>
+              <a:rPr lang="nl-BE" dirty="0" err="1"/>
+              <a:t>intrinsics</a:t>
+            </a:r>
+            <a:r>
+              <a:rPr lang="nl-BE" dirty="0"/>
+              <a:t>: </a:t>
+            </a:r>
+          </a:p>
+          <a:p>
+            <a:pPr lvl="1"/>
+            <a:r>
+              <a:rPr lang="nl-BE" dirty="0" err="1"/>
+              <a:t>did</a:t>
+            </a:r>
+            <a:r>
+              <a:rPr lang="nl-BE" dirty="0"/>
+              <a:t> </a:t>
+            </a:r>
+            <a:r>
+              <a:rPr lang="nl-BE" dirty="0" err="1"/>
+              <a:t>not</a:t>
+            </a:r>
+            <a:r>
+              <a:rPr lang="nl-BE" dirty="0"/>
+              <a:t> help:</a:t>
+            </a:r>
+          </a:p>
+          <a:p>
+            <a:pPr lvl="2"/>
+            <a:r>
+              <a:rPr lang="nl-BE" dirty="0"/>
+              <a:t>Parallel on </a:t>
+            </a:r>
+            <a:r>
+              <a:rPr lang="nl-BE" dirty="0" err="1"/>
+              <a:t>on</a:t>
+            </a:r>
+            <a:r>
+              <a:rPr lang="nl-BE" dirty="0"/>
+              <a:t> </a:t>
+            </a:r>
+            <a:r>
+              <a:rPr lang="nl-BE" dirty="0" err="1"/>
+              <a:t>cord</a:t>
+            </a:r>
+            <a:r>
+              <a:rPr lang="nl-BE" dirty="0"/>
               <a:t> (</a:t>
             </a:r>
             <a:r>
-              <a:rPr lang="nl-BE" baseline="0" dirty="0" err="1"/>
-              <a:t>and</a:t>
-            </a:r>
-            <a:r>
-              <a:rPr lang="nl-BE" baseline="0" dirty="0"/>
+              <a:rPr lang="nl-BE" dirty="0" err="1"/>
+              <a:t>subword</a:t>
+            </a:r>
+            <a:r>
+              <a:rPr lang="nl-BE" dirty="0"/>
+              <a:t>) </a:t>
+            </a:r>
+            <a:r>
+              <a:rPr lang="nl-BE" dirty="0" err="1"/>
+              <a:t>instead</a:t>
+            </a:r>
+            <a:r>
+              <a:rPr lang="nl-BE" dirty="0"/>
+              <a:t> of on </a:t>
+            </a:r>
+            <a:r>
+              <a:rPr lang="nl-BE" dirty="0" err="1"/>
+              <a:t>two</a:t>
+            </a:r>
+            <a:r>
+              <a:rPr lang="nl-BE" dirty="0"/>
               <a:t> </a:t>
             </a:r>
             <a:r>
-              <a:rPr lang="nl-BE" baseline="0" dirty="0" err="1"/>
-              <a:t>reduced</a:t>
-            </a:r>
-            <a:r>
-              <a:rPr lang="nl-BE" baseline="0" dirty="0"/>
-              <a:t> overhead)</a:t>
-            </a:r>
-          </a:p>
-          <a:p>
-            <a:endParaRPr lang="en-US" dirty="0"/>
+              <a:rPr lang="nl-BE" dirty="0" err="1"/>
+              <a:t>cores</a:t>
+            </a:r>
+            <a:endParaRPr lang="nl-BE" dirty="0"/>
+          </a:p>
+          <a:p>
+            <a:pPr lvl="2"/>
+            <a:r>
+              <a:rPr lang="nl-BE" dirty="0"/>
+              <a:t>(</a:t>
+            </a:r>
+            <a:r>
+              <a:rPr lang="nl-BE" dirty="0" err="1"/>
+              <a:t>might</a:t>
+            </a:r>
+            <a:r>
+              <a:rPr lang="nl-BE" dirty="0"/>
+              <a:t> </a:t>
+            </a:r>
+            <a:r>
+              <a:rPr lang="nl-BE" dirty="0" err="1"/>
+              <a:t>be</a:t>
+            </a:r>
+            <a:r>
+              <a:rPr lang="nl-BE" dirty="0"/>
+              <a:t> </a:t>
+            </a:r>
+            <a:r>
+              <a:rPr lang="nl-BE" dirty="0" err="1"/>
+              <a:t>better</a:t>
+            </a:r>
+            <a:r>
+              <a:rPr lang="nl-BE" dirty="0"/>
+              <a:t> </a:t>
+            </a:r>
+            <a:r>
+              <a:rPr lang="nl-BE" dirty="0" err="1"/>
+              <a:t>for</a:t>
+            </a:r>
+            <a:r>
+              <a:rPr lang="nl-BE" dirty="0"/>
+              <a:t> P </a:t>
+            </a:r>
+            <a:r>
+              <a:rPr lang="nl-BE" dirty="0" err="1"/>
+              <a:t>though</a:t>
+            </a:r>
+            <a:r>
+              <a:rPr lang="nl-BE" dirty="0"/>
+              <a:t>)</a:t>
+            </a:r>
+          </a:p>
+          <a:p>
+            <a:endParaRPr lang="en-GB" dirty="0"/>
           </a:p>
         </p:txBody>
       </p:sp>
@@ -953,7 +1119,7 @@
     </p:spTree>
     <p:extLst>
       <p:ext uri="{BB962C8B-B14F-4D97-AF65-F5344CB8AC3E}">
-        <p14:creationId xmlns:p14="http://schemas.microsoft.com/office/powerpoint/2010/main" val="3172776424"/>
+        <p14:creationId xmlns:p14="http://schemas.microsoft.com/office/powerpoint/2010/main" val="3584762593"/>
       </p:ext>
     </p:extLst>
   </p:cSld>
@@ -1008,216 +1174,50 @@
           <a:lstStyle/>
           <a:p>
             <a:r>
-              <a:rPr lang="en-GB" dirty="0"/>
-              <a:t>Removed: (Did not find it necessary to put this here since overall we implemented this and it did</a:t>
-            </a:r>
-            <a:r>
-              <a:rPr lang="en-GB" baseline="0" dirty="0"/>
-              <a:t> gain</a:t>
-            </a:r>
-            <a:endParaRPr lang="en-GB" dirty="0"/>
-          </a:p>
-          <a:p>
-            <a:r>
-              <a:rPr lang="nl-BE" dirty="0"/>
-              <a:t>UNROLL: </a:t>
-            </a:r>
-          </a:p>
-          <a:p>
-            <a:pPr lvl="1"/>
-            <a:r>
-              <a:rPr lang="nl-BE" dirty="0" err="1"/>
-              <a:t>Only</a:t>
-            </a:r>
-            <a:r>
-              <a:rPr lang="nl-BE" dirty="0"/>
+              <a:rPr lang="nl-BE" dirty="0"/>
+              <a:t>TERUG OP TOTAAL</a:t>
+            </a:r>
+          </a:p>
+          <a:p>
+            <a:r>
+              <a:rPr lang="nl-BE" dirty="0" err="1"/>
+              <a:t>Trg</a:t>
+            </a:r>
+            <a:r>
+              <a:rPr lang="nl-BE" dirty="0"/>
+              <a:t> vermelden:</a:t>
+            </a:r>
+            <a:r>
+              <a:rPr lang="nl-BE" baseline="0" dirty="0"/>
+              <a:t> more compiler </a:t>
+            </a:r>
+            <a:r>
+              <a:rPr lang="nl-BE" baseline="0" dirty="0" err="1"/>
+              <a:t>freedom</a:t>
+            </a:r>
+            <a:r>
+              <a:rPr lang="nl-BE" baseline="0" dirty="0"/>
+              <a:t> (</a:t>
+            </a:r>
+            <a:r>
+              <a:rPr lang="nl-BE" baseline="0" dirty="0" err="1"/>
+              <a:t>and</a:t>
+            </a:r>
+            <a:r>
+              <a:rPr lang="nl-BE" baseline="0" dirty="0"/>
               <a:t> </a:t>
             </a:r>
             <a:r>
-              <a:rPr lang="nl-BE" dirty="0" err="1"/>
-              <a:t>really</a:t>
-            </a:r>
-            <a:r>
-              <a:rPr lang="nl-BE" dirty="0"/>
-              <a:t> </a:t>
-            </a:r>
-            <a:r>
-              <a:rPr lang="nl-BE" dirty="0" err="1"/>
-              <a:t>helped</a:t>
-            </a:r>
-            <a:r>
-              <a:rPr lang="nl-BE" dirty="0"/>
-              <a:t> in </a:t>
-            </a:r>
-            <a:r>
-              <a:rPr lang="nl-BE" dirty="0" err="1"/>
-              <a:t>convolve</a:t>
-            </a:r>
-            <a:r>
-              <a:rPr lang="nl-BE" dirty="0"/>
-              <a:t> (4x best)</a:t>
-            </a:r>
-          </a:p>
-          <a:p>
-            <a:r>
-              <a:rPr lang="en-GB" dirty="0"/>
-              <a:t/>
-            </a:r>
-            <a:br>
-              <a:rPr lang="en-GB" dirty="0"/>
-            </a:br>
-            <a:r>
-              <a:rPr lang="en-GB" dirty="0"/>
-              <a:t>Removed: (Don’t understand this)</a:t>
-            </a:r>
-            <a:br>
-              <a:rPr lang="en-GB" dirty="0"/>
-            </a:br>
-            <a:r>
-              <a:rPr lang="nl-BE" dirty="0" err="1"/>
-              <a:t>Looked</a:t>
-            </a:r>
-            <a:r>
-              <a:rPr lang="nl-BE" dirty="0"/>
-              <a:t> </a:t>
-            </a:r>
-            <a:r>
-              <a:rPr lang="nl-BE" dirty="0" err="1"/>
-              <a:t>for</a:t>
-            </a:r>
-            <a:r>
-              <a:rPr lang="nl-BE" dirty="0"/>
-              <a:t> </a:t>
-            </a:r>
-            <a:r>
-              <a:rPr lang="nl-BE" dirty="0" err="1"/>
-              <a:t>intrinsics</a:t>
-            </a:r>
-            <a:r>
-              <a:rPr lang="nl-BE" dirty="0"/>
-              <a:t>: </a:t>
-            </a:r>
-          </a:p>
-          <a:p>
-            <a:pPr lvl="1"/>
-            <a:r>
-              <a:rPr lang="nl-BE" dirty="0" err="1"/>
-              <a:t>did</a:t>
-            </a:r>
-            <a:r>
-              <a:rPr lang="nl-BE" dirty="0"/>
-              <a:t> </a:t>
-            </a:r>
-            <a:r>
-              <a:rPr lang="nl-BE" dirty="0" err="1"/>
-              <a:t>not</a:t>
-            </a:r>
-            <a:r>
-              <a:rPr lang="nl-BE" dirty="0"/>
-              <a:t> help:</a:t>
-            </a:r>
-          </a:p>
-          <a:p>
-            <a:pPr lvl="2"/>
-            <a:r>
-              <a:rPr lang="nl-BE" dirty="0"/>
-              <a:t>Parallel on </a:t>
-            </a:r>
-            <a:r>
-              <a:rPr lang="nl-BE" dirty="0" err="1"/>
-              <a:t>on</a:t>
-            </a:r>
-            <a:r>
-              <a:rPr lang="nl-BE" dirty="0"/>
-              <a:t> </a:t>
-            </a:r>
-            <a:r>
-              <a:rPr lang="nl-BE" dirty="0" err="1"/>
-              <a:t>cord</a:t>
-            </a:r>
-            <a:r>
-              <a:rPr lang="nl-BE" dirty="0"/>
-              <a:t> (</a:t>
-            </a:r>
-            <a:r>
-              <a:rPr lang="nl-BE" dirty="0" err="1"/>
-              <a:t>subword</a:t>
-            </a:r>
-            <a:r>
-              <a:rPr lang="nl-BE" dirty="0"/>
-              <a:t>) </a:t>
-            </a:r>
-            <a:r>
-              <a:rPr lang="nl-BE" dirty="0" err="1"/>
-              <a:t>instead</a:t>
-            </a:r>
-            <a:r>
-              <a:rPr lang="nl-BE" dirty="0"/>
-              <a:t> of on </a:t>
-            </a:r>
-            <a:r>
-              <a:rPr lang="nl-BE" dirty="0" err="1"/>
-              <a:t>two</a:t>
-            </a:r>
-            <a:r>
-              <a:rPr lang="nl-BE" dirty="0"/>
-              <a:t> </a:t>
-            </a:r>
-            <a:r>
-              <a:rPr lang="nl-BE" dirty="0" err="1"/>
-              <a:t>cores</a:t>
-            </a:r>
-            <a:endParaRPr lang="nl-BE" dirty="0"/>
-          </a:p>
-          <a:p>
-            <a:pPr lvl="2"/>
-            <a:r>
-              <a:rPr lang="nl-BE" dirty="0"/>
-              <a:t>(</a:t>
-            </a:r>
-            <a:r>
-              <a:rPr lang="nl-BE" dirty="0" err="1"/>
-              <a:t>might</a:t>
-            </a:r>
-            <a:r>
-              <a:rPr lang="nl-BE" dirty="0"/>
-              <a:t> </a:t>
-            </a:r>
-            <a:r>
-              <a:rPr lang="nl-BE" dirty="0" err="1"/>
-              <a:t>be</a:t>
-            </a:r>
-            <a:r>
-              <a:rPr lang="nl-BE" dirty="0"/>
-              <a:t> </a:t>
-            </a:r>
-            <a:r>
-              <a:rPr lang="nl-BE" dirty="0" err="1"/>
-              <a:t>better</a:t>
-            </a:r>
-            <a:r>
-              <a:rPr lang="nl-BE" dirty="0"/>
-              <a:t> </a:t>
-            </a:r>
-            <a:r>
-              <a:rPr lang="nl-BE" dirty="0" err="1"/>
-              <a:t>for</a:t>
-            </a:r>
-            <a:r>
-              <a:rPr lang="nl-BE" dirty="0"/>
-              <a:t> P </a:t>
-            </a:r>
-            <a:r>
-              <a:rPr lang="nl-BE" dirty="0" err="1"/>
-              <a:t>though</a:t>
-            </a:r>
-            <a:r>
-              <a:rPr lang="nl-BE" dirty="0"/>
-              <a:t>)</a:t>
-            </a:r>
-          </a:p>
-          <a:p>
-            <a:endParaRPr lang="en-GB" dirty="0"/>
+              <a:rPr lang="nl-BE" baseline="0" dirty="0" err="1"/>
+              <a:t>reduced</a:t>
+            </a:r>
+            <a:r>
+              <a:rPr lang="nl-BE" baseline="0" dirty="0"/>
+              <a:t> overhead)</a:t>
+            </a:r>
+          </a:p>
+          <a:p>
+            <a:endParaRPr lang="en-US" dirty="0"/>
           </a:p>
         </p:txBody>
       </p:sp>
@@ -1247,7 +1247,7 @@
     </p:spTree>
     <p:extLst>
       <p:ext uri="{BB962C8B-B14F-4D97-AF65-F5344CB8AC3E}">
-        <p14:creationId xmlns:p14="http://schemas.microsoft.com/office/powerpoint/2010/main" val="3584762593"/>
+        <p14:creationId xmlns:p14="http://schemas.microsoft.com/office/powerpoint/2010/main" val="3172776424"/>
       </p:ext>
     </p:extLst>
   </p:cSld>
@@ -8546,6 +8546,13 @@
   <p:clrMapOvr>
     <a:masterClrMapping/>
   </p:clrMapOvr>
+  <p:timing>
+    <p:tnLst>
+      <p:par>
+        <p:cTn id="1" dur="indefinite" restart="never" nodeType="tmRoot"/>
+      </p:par>
+    </p:tnLst>
+  </p:timing>
 </p:sld>
 </file>
 
@@ -8780,6 +8787,13 @@
   <p:clrMapOvr>
     <a:masterClrMapping/>
   </p:clrMapOvr>
+  <p:timing>
+    <p:tnLst>
+      <p:par>
+        <p:cTn id="1" dur="indefinite" restart="never" nodeType="tmRoot"/>
+      </p:par>
+    </p:tnLst>
+  </p:timing>
 </p:sld>
 </file>
 
@@ -8876,11 +8890,18 @@
   <p:clrMapOvr>
     <a:masterClrMapping/>
   </p:clrMapOvr>
+  <p:timing>
+    <p:tnLst>
+      <p:par>
+        <p:cTn id="1" dur="indefinite" restart="never" nodeType="tmRoot"/>
+      </p:par>
+    </p:tnLst>
+  </p:timing>
 </p:sld>
 </file>
 
 <file path=ppt/slides/slide12.xml><?xml version="1.0" encoding="utf-8"?>
-<p:sld xmlns:a="http://schemas.openxmlformats.org/drawingml/2006/main" xmlns:r="http://schemas.openxmlformats.org/officeDocument/2006/relationships" xmlns:p="http://schemas.openxmlformats.org/presentationml/2006/main">
+<p:sld xmlns:a="http://schemas.openxmlformats.org/drawingml/2006/main" xmlns:r="http://schemas.openxmlformats.org/officeDocument/2006/relationships" xmlns:p="http://schemas.openxmlformats.org/presentationml/2006/main" show="0">
   <p:cSld>
     <p:spTree>
       <p:nvGrpSpPr>
@@ -8985,6 +9006,14 @@
   <p:clrMapOvr>
     <a:masterClrMapping/>
   </p:clrMapOvr>
+  <mc:AlternateContent xmlns:mc="http://schemas.openxmlformats.org/markup-compatibility/2006">
+    <mc:Choice xmlns:p14="http://schemas.microsoft.com/office/powerpoint/2010/main" Requires="p14">
+      <p:transition spd="slow" p14:dur="2000"/>
+    </mc:Choice>
+    <mc:Fallback>
+      <p:transition spd="slow"/>
+    </mc:Fallback>
+  </mc:AlternateContent>
 </p:sld>
 </file>
 
@@ -9117,6 +9146,13 @@
   <p:clrMapOvr>
     <a:masterClrMapping/>
   </p:clrMapOvr>
+  <p:timing>
+    <p:tnLst>
+      <p:par>
+        <p:cTn id="1" dur="indefinite" restart="never" nodeType="tmRoot"/>
+      </p:par>
+    </p:tnLst>
+  </p:timing>
 </p:sld>
 </file>
 
@@ -9403,6 +9439,13 @@
   <p:clrMapOvr>
     <a:masterClrMapping/>
   </p:clrMapOvr>
+  <p:timing>
+    <p:tnLst>
+      <p:par>
+        <p:cTn id="1" dur="indefinite" restart="never" nodeType="tmRoot"/>
+      </p:par>
+    </p:tnLst>
+  </p:timing>
 </p:sld>
 </file>
 
@@ -9650,6 +9693,13 @@
   <p:clrMapOvr>
     <a:masterClrMapping/>
   </p:clrMapOvr>
+  <p:timing>
+    <p:tnLst>
+      <p:par>
+        <p:cTn id="1" dur="indefinite" restart="never" nodeType="tmRoot"/>
+      </p:par>
+    </p:tnLst>
+  </p:timing>
 </p:sld>
 </file>
 
@@ -9731,6 +9781,13 @@
   <p:clrMapOvr>
     <a:masterClrMapping/>
   </p:clrMapOvr>
+  <p:timing>
+    <p:tnLst>
+      <p:par>
+        <p:cTn id="1" dur="indefinite" restart="never" nodeType="tmRoot"/>
+      </p:par>
+    </p:tnLst>
+  </p:timing>
 </p:sld>
 </file>
 
@@ -10087,6 +10144,13 @@
   <p:clrMapOvr>
     <a:masterClrMapping/>
   </p:clrMapOvr>
+  <p:timing>
+    <p:tnLst>
+      <p:par>
+        <p:cTn id="1" dur="indefinite" restart="never" nodeType="tmRoot"/>
+      </p:par>
+    </p:tnLst>
+  </p:timing>
 </p:sld>
 </file>
 
@@ -10368,6 +10432,13 @@
   <p:clrMapOvr>
     <a:masterClrMapping/>
   </p:clrMapOvr>
+  <p:timing>
+    <p:tnLst>
+      <p:par>
+        <p:cTn id="1" dur="indefinite" restart="never" nodeType="tmRoot"/>
+      </p:par>
+    </p:tnLst>
+  </p:timing>
 </p:sld>
 </file>
 
@@ -10405,7 +10476,15 @@
           <a:p>
             <a:r>
               <a:rPr lang="nl-BE" dirty="0"/>
-              <a:t>DSP-C: major </a:t>
+              <a:t>DSP-C: </a:t>
+            </a:r>
+            <a:r>
+              <a:rPr lang="nl-BE" dirty="0" err="1"/>
+              <a:t>other</a:t>
+            </a:r>
+            <a:r>
+              <a:rPr lang="nl-BE" dirty="0"/>
+              <a:t> </a:t>
             </a:r>
             <a:r>
               <a:rPr lang="nl-BE" dirty="0" err="1"/>
@@ -10431,281 +10510,192 @@
           <a:lstStyle/>
           <a:p>
             <a:r>
-              <a:rPr lang="nl-BE" dirty="0">
-                <a:sym typeface="Wingdings" panose="05000000000000000000" pitchFamily="2" charset="2"/>
-              </a:rPr>
-              <a:t> Total </a:t>
-            </a:r>
-            <a:r>
-              <a:rPr lang="nl-BE" dirty="0" err="1">
-                <a:sym typeface="Wingdings" panose="05000000000000000000" pitchFamily="2" charset="2"/>
-              </a:rPr>
-              <a:t>results</a:t>
-            </a:r>
-            <a:r>
-              <a:rPr lang="nl-BE" dirty="0">
-                <a:sym typeface="Wingdings" panose="05000000000000000000" pitchFamily="2" charset="2"/>
-              </a:rPr>
-              <a:t>:</a:t>
+              <a:rPr lang="nl-BE" dirty="0" err="1"/>
+              <a:t>Hardcoding</a:t>
+            </a:r>
+            <a:r>
+              <a:rPr lang="nl-BE" dirty="0"/>
+              <a:t> filter </a:t>
+            </a:r>
+            <a:r>
+              <a:rPr lang="nl-BE" dirty="0" err="1"/>
+              <a:t>coeffs</a:t>
+            </a:r>
+            <a:r>
+              <a:rPr lang="nl-BE" dirty="0"/>
+              <a:t> in code</a:t>
+            </a:r>
+          </a:p>
+          <a:p>
+            <a:r>
+              <a:rPr lang="nl-BE" dirty="0" err="1"/>
+              <a:t>Must_iterate</a:t>
+            </a:r>
+            <a:r>
+              <a:rPr lang="nl-BE" dirty="0"/>
+              <a:t>, </a:t>
+            </a:r>
+            <a:r>
+              <a:rPr lang="nl-BE" dirty="0" err="1"/>
+              <a:t>unroll</a:t>
+            </a:r>
+            <a:r>
+              <a:rPr lang="nl-BE" dirty="0"/>
+              <a:t> </a:t>
+            </a:r>
+            <a:r>
+              <a:rPr lang="nl-BE" dirty="0" err="1"/>
+              <a:t>pragmas</a:t>
+            </a:r>
+            <a:endParaRPr lang="nl-BE" dirty="0"/>
+          </a:p>
+          <a:p>
+            <a:r>
+              <a:rPr lang="nl-BE" dirty="0" err="1"/>
+              <a:t>Data_align</a:t>
+            </a:r>
+            <a:r>
+              <a:rPr lang="nl-BE" dirty="0"/>
+              <a:t>: no </a:t>
+            </a:r>
+            <a:r>
+              <a:rPr lang="nl-BE" dirty="0" err="1"/>
+              <a:t>noteworthy</a:t>
+            </a:r>
+            <a:r>
+              <a:rPr lang="nl-BE" dirty="0"/>
+              <a:t> </a:t>
+            </a:r>
+            <a:r>
+              <a:rPr lang="nl-BE" dirty="0" err="1"/>
+              <a:t>gain</a:t>
+            </a:r>
+            <a:endParaRPr lang="nl-BE" dirty="0"/>
+          </a:p>
+          <a:p>
+            <a:r>
+              <a:rPr lang="nl-BE" dirty="0" err="1"/>
+              <a:t>Some</a:t>
+            </a:r>
+            <a:r>
+              <a:rPr lang="nl-BE" dirty="0"/>
+              <a:t> </a:t>
+            </a:r>
+            <a:r>
+              <a:rPr lang="nl-BE" dirty="0" err="1"/>
+              <a:t>intrinsics</a:t>
+            </a:r>
+            <a:r>
+              <a:rPr lang="nl-BE" dirty="0"/>
+              <a:t> e.g. _</a:t>
+            </a:r>
+            <a:r>
+              <a:rPr lang="nl-BE" dirty="0" err="1"/>
+              <a:t>abs</a:t>
+            </a:r>
+            <a:endParaRPr lang="nl-BE" dirty="0"/>
+          </a:p>
+          <a:p>
+            <a:r>
+              <a:rPr lang="nl-BE" dirty="0"/>
+              <a:t>‘</a:t>
+            </a:r>
+            <a:r>
+              <a:rPr lang="nl-BE" dirty="0" err="1"/>
+              <a:t>near</a:t>
+            </a:r>
+            <a:r>
+              <a:rPr lang="nl-BE" dirty="0"/>
+              <a:t>’/‘</a:t>
+            </a:r>
+            <a:r>
+              <a:rPr lang="nl-BE" dirty="0" err="1"/>
+              <a:t>const</a:t>
+            </a:r>
+            <a:r>
+              <a:rPr lang="nl-BE" dirty="0"/>
+              <a:t>’ variables</a:t>
+            </a:r>
+          </a:p>
+          <a:p>
+            <a:r>
+              <a:rPr lang="nl-BE" dirty="0" err="1"/>
+              <a:t>Some</a:t>
+            </a:r>
+            <a:r>
+              <a:rPr lang="nl-BE" dirty="0"/>
+              <a:t> </a:t>
+            </a:r>
+            <a:r>
+              <a:rPr lang="nl-BE" dirty="0" err="1"/>
+              <a:t>function</a:t>
+            </a:r>
+            <a:r>
+              <a:rPr lang="nl-BE" dirty="0"/>
+              <a:t> </a:t>
+            </a:r>
+            <a:r>
+              <a:rPr lang="nl-BE" dirty="0" err="1"/>
+              <a:t>inlining</a:t>
+            </a:r>
+            <a:endParaRPr lang="nl-BE" dirty="0"/>
+          </a:p>
+          <a:p>
+            <a:r>
+              <a:rPr lang="nl-BE" dirty="0" err="1"/>
+              <a:t>Inlining</a:t>
+            </a:r>
+            <a:r>
+              <a:rPr lang="nl-BE" dirty="0"/>
+              <a:t> analysis/</a:t>
+            </a:r>
+            <a:r>
+              <a:rPr lang="nl-BE" dirty="0" err="1"/>
+              <a:t>synthesis</a:t>
+            </a:r>
+            <a:r>
+              <a:rPr lang="nl-BE" dirty="0"/>
+              <a:t>: 300k </a:t>
+            </a:r>
+            <a:r>
+              <a:rPr lang="nl-BE" dirty="0" err="1"/>
+              <a:t>gain</a:t>
+            </a:r>
+            <a:r>
+              <a:rPr lang="nl-BE" dirty="0"/>
+              <a:t>, </a:t>
             </a:r>
           </a:p>
           <a:p>
             <a:pPr lvl="1"/>
             <a:r>
-              <a:rPr lang="nl-BE" dirty="0">
-                <a:sym typeface="Wingdings" panose="05000000000000000000" pitchFamily="2" charset="2"/>
-              </a:rPr>
-              <a:t>Speed-up: 21,8M  3,2M</a:t>
-            </a:r>
-          </a:p>
-          <a:p>
-            <a:pPr lvl="2"/>
-            <a:r>
-              <a:rPr lang="nl-BE" dirty="0">
-                <a:sym typeface="Wingdings" panose="05000000000000000000" pitchFamily="2" charset="2"/>
-              </a:rPr>
-              <a:t>= 85%   or  speed x 6,8</a:t>
-            </a:r>
-          </a:p>
-          <a:p>
-            <a:pPr lvl="2"/>
-            <a:r>
-              <a:rPr lang="nl-BE" dirty="0" err="1">
-                <a:sym typeface="Wingdings" panose="05000000000000000000" pitchFamily="2" charset="2"/>
-              </a:rPr>
-              <a:t>Including</a:t>
-            </a:r>
-            <a:r>
-              <a:rPr lang="nl-BE" dirty="0">
-                <a:sym typeface="Wingdings" panose="05000000000000000000" pitchFamily="2" charset="2"/>
-              </a:rPr>
+              <a:rPr lang="nl-BE" dirty="0" err="1"/>
+              <a:t>Reverted</a:t>
+            </a:r>
+            <a:r>
+              <a:rPr lang="nl-BE" dirty="0"/>
               <a:t> </a:t>
             </a:r>
             <a:r>
-              <a:rPr lang="nl-BE" dirty="0" err="1">
-                <a:sym typeface="Wingdings" panose="05000000000000000000" pitchFamily="2" charset="2"/>
-              </a:rPr>
-              <a:t>original</a:t>
-            </a:r>
-            <a:r>
-              <a:rPr lang="nl-BE" dirty="0">
-                <a:sym typeface="Wingdings" panose="05000000000000000000" pitchFamily="2" charset="2"/>
-              </a:rPr>
-              <a:t> x 2: </a:t>
-            </a:r>
-            <a:r>
-              <a:rPr lang="nl-BE" u="sng" dirty="0" smtClean="0">
-                <a:sym typeface="Wingdings" panose="05000000000000000000" pitchFamily="2" charset="2"/>
-              </a:rPr>
-              <a:t>13,6</a:t>
-            </a:r>
-          </a:p>
-          <a:p>
-            <a:pPr lvl="1"/>
-            <a:r>
-              <a:rPr lang="nl-BE" dirty="0" smtClean="0">
-                <a:sym typeface="Wingdings" panose="05000000000000000000" pitchFamily="2" charset="2"/>
-              </a:rPr>
-              <a:t> bottleneck = </a:t>
-            </a:r>
-            <a:r>
-              <a:rPr lang="nl-BE" dirty="0" err="1" smtClean="0">
-                <a:sym typeface="Wingdings" panose="05000000000000000000" pitchFamily="2" charset="2"/>
-              </a:rPr>
-              <a:t>writing</a:t>
-            </a:r>
-            <a:r>
-              <a:rPr lang="nl-BE" dirty="0" smtClean="0">
-                <a:sym typeface="Wingdings" panose="05000000000000000000" pitchFamily="2" charset="2"/>
-              </a:rPr>
-              <a:t> output</a:t>
-            </a:r>
-            <a:endParaRPr lang="nl-BE" dirty="0">
-              <a:sym typeface="Wingdings" panose="05000000000000000000" pitchFamily="2" charset="2"/>
-            </a:endParaRPr>
-          </a:p>
-          <a:p>
-            <a:r>
-              <a:rPr lang="nl-BE" dirty="0" err="1">
-                <a:sym typeface="Wingdings" panose="05000000000000000000" pitchFamily="2" charset="2"/>
-              </a:rPr>
-              <a:t>Cheating</a:t>
-            </a:r>
-            <a:r>
-              <a:rPr lang="nl-BE" dirty="0">
-                <a:sym typeface="Wingdings" panose="05000000000000000000" pitchFamily="2" charset="2"/>
-              </a:rPr>
-              <a:t> mono input(?):</a:t>
-            </a:r>
-          </a:p>
-          <a:p>
-            <a:pPr lvl="1"/>
-            <a:r>
-              <a:rPr lang="nl-BE" dirty="0">
-                <a:sym typeface="Wingdings" panose="05000000000000000000" pitchFamily="2" charset="2"/>
-              </a:rPr>
-              <a:t>Mono </a:t>
-            </a:r>
-            <a:r>
-              <a:rPr lang="nl-BE" dirty="0" err="1">
-                <a:sym typeface="Wingdings" panose="05000000000000000000" pitchFamily="2" charset="2"/>
-              </a:rPr>
-              <a:t>implementation</a:t>
-            </a:r>
-            <a:r>
-              <a:rPr lang="nl-BE" dirty="0">
-                <a:sym typeface="Wingdings" panose="05000000000000000000" pitchFamily="2" charset="2"/>
-              </a:rPr>
-              <a:t>:</a:t>
-            </a:r>
-          </a:p>
-          <a:p>
-            <a:pPr lvl="2"/>
-            <a:r>
-              <a:rPr lang="nl-BE" dirty="0">
-                <a:sym typeface="Wingdings" panose="05000000000000000000" pitchFamily="2" charset="2"/>
-              </a:rPr>
-              <a:t>As long as input is mono: </a:t>
-            </a:r>
-          </a:p>
-          <a:p>
-            <a:pPr lvl="3"/>
-            <a:r>
-              <a:rPr lang="nl-BE" sz="2000" dirty="0">
-                <a:sym typeface="Wingdings" panose="05000000000000000000" pitchFamily="2" charset="2"/>
-              </a:rPr>
-              <a:t>(de)</a:t>
-            </a:r>
-            <a:r>
-              <a:rPr lang="nl-BE" sz="2000" dirty="0" err="1">
-                <a:sym typeface="Wingdings" panose="05000000000000000000" pitchFamily="2" charset="2"/>
-              </a:rPr>
-              <a:t>quantize</a:t>
-            </a:r>
-            <a:r>
-              <a:rPr lang="nl-BE" sz="2000" dirty="0">
-                <a:sym typeface="Wingdings" panose="05000000000000000000" pitchFamily="2" charset="2"/>
-              </a:rPr>
+              <a:rPr lang="nl-BE" dirty="0" err="1"/>
+              <a:t>for</a:t>
+            </a:r>
+            <a:r>
+              <a:rPr lang="nl-BE" dirty="0"/>
               <a:t> </a:t>
             </a:r>
             <a:r>
-              <a:rPr lang="nl-BE" sz="2000" dirty="0" err="1">
-                <a:sym typeface="Wingdings" panose="05000000000000000000" pitchFamily="2" charset="2"/>
-              </a:rPr>
-              <a:t>only</a:t>
-            </a:r>
-            <a:r>
-              <a:rPr lang="nl-BE" sz="2000" dirty="0">
-                <a:sym typeface="Wingdings" panose="05000000000000000000" pitchFamily="2" charset="2"/>
-              </a:rPr>
-              <a:t> </a:t>
-            </a:r>
-            <a:r>
-              <a:rPr lang="nl-BE" sz="2000" dirty="0" err="1">
-                <a:sym typeface="Wingdings" panose="05000000000000000000" pitchFamily="2" charset="2"/>
-              </a:rPr>
-              <a:t>one</a:t>
-            </a:r>
-            <a:r>
-              <a:rPr lang="nl-BE" sz="2000" dirty="0">
-                <a:sym typeface="Wingdings" panose="05000000000000000000" pitchFamily="2" charset="2"/>
-              </a:rPr>
-              <a:t> </a:t>
-            </a:r>
-            <a:r>
-              <a:rPr lang="nl-BE" sz="2000" dirty="0" err="1">
-                <a:sym typeface="Wingdings" panose="05000000000000000000" pitchFamily="2" charset="2"/>
-              </a:rPr>
-              <a:t>channel</a:t>
-            </a:r>
-            <a:r>
-              <a:rPr lang="nl-BE" sz="2000" dirty="0">
-                <a:sym typeface="Wingdings" panose="05000000000000000000" pitchFamily="2" charset="2"/>
-              </a:rPr>
-              <a:t> &amp; copy</a:t>
-            </a:r>
-          </a:p>
-          <a:p>
-            <a:pPr marL="988400" lvl="3" indent="0">
-              <a:buNone/>
-            </a:pPr>
-            <a:r>
-              <a:rPr lang="nl-BE" sz="2000" dirty="0">
-                <a:sym typeface="Wingdings" panose="05000000000000000000" pitchFamily="2" charset="2"/>
-              </a:rPr>
-              <a:t>	 2,7M (16%)</a:t>
-            </a:r>
-          </a:p>
-          <a:p>
-            <a:pPr lvl="3"/>
-            <a:r>
-              <a:rPr lang="nl-BE" sz="2000" dirty="0">
-                <a:sym typeface="Wingdings" panose="05000000000000000000" pitchFamily="2" charset="2"/>
-              </a:rPr>
-              <a:t>At </a:t>
-            </a:r>
-            <a:r>
-              <a:rPr lang="nl-BE" sz="2000" dirty="0" err="1">
-                <a:sym typeface="Wingdings" panose="05000000000000000000" pitchFamily="2" charset="2"/>
-              </a:rPr>
-              <a:t>expense</a:t>
-            </a:r>
-            <a:r>
-              <a:rPr lang="nl-BE" sz="2000" dirty="0">
-                <a:sym typeface="Wingdings" panose="05000000000000000000" pitchFamily="2" charset="2"/>
-              </a:rPr>
-              <a:t> of </a:t>
-            </a:r>
-            <a:r>
-              <a:rPr lang="nl-BE" sz="2000" dirty="0" err="1">
-                <a:sym typeface="Wingdings" panose="05000000000000000000" pitchFamily="2" charset="2"/>
-              </a:rPr>
-              <a:t>slightly</a:t>
-            </a:r>
-            <a:r>
-              <a:rPr lang="nl-BE" sz="2000" dirty="0">
-                <a:sym typeface="Wingdings" panose="05000000000000000000" pitchFamily="2" charset="2"/>
-              </a:rPr>
-              <a:t> more code (2% of </a:t>
-            </a:r>
-            <a:r>
-              <a:rPr lang="nl-BE" sz="2000" dirty="0" err="1">
-                <a:sym typeface="Wingdings" panose="05000000000000000000" pitchFamily="2" charset="2"/>
-              </a:rPr>
+              <a:rPr lang="nl-BE" dirty="0" err="1"/>
+              <a:t>cleanliness</a:t>
+            </a:r>
+            <a:r>
+              <a:rPr lang="nl-BE" dirty="0"/>
+              <a:t> &amp; </a:t>
+            </a:r>
+            <a:r>
+              <a:rPr lang="nl-BE" dirty="0" err="1"/>
               <a:t>space</a:t>
             </a:r>
-            <a:r>
-              <a:rPr lang="nl-BE" sz="2000" dirty="0">
-                <a:sym typeface="Wingdings" panose="05000000000000000000" pitchFamily="2" charset="2"/>
-              </a:rPr>
-              <a:t>)</a:t>
-            </a:r>
-          </a:p>
-          <a:p>
-            <a:pPr lvl="2"/>
-            <a:endParaRPr lang="en-US" sz="2800" dirty="0">
-              <a:sym typeface="Wingdings" panose="05000000000000000000" pitchFamily="2" charset="2"/>
-            </a:endParaRPr>
-          </a:p>
-          <a:p>
-            <a:pPr lvl="2"/>
-            <a:endParaRPr lang="en-US" dirty="0">
-              <a:sym typeface="Wingdings" panose="05000000000000000000" pitchFamily="2" charset="2"/>
-            </a:endParaRPr>
-          </a:p>
-          <a:p>
-            <a:endParaRPr lang="en-US" dirty="0">
-              <a:sym typeface="Wingdings" panose="05000000000000000000" pitchFamily="2" charset="2"/>
-            </a:endParaRPr>
-          </a:p>
-          <a:p>
-            <a:pPr lvl="2"/>
-            <a:endParaRPr lang="en-US" sz="2400" dirty="0">
-              <a:sym typeface="Wingdings" panose="05000000000000000000" pitchFamily="2" charset="2"/>
-            </a:endParaRPr>
-          </a:p>
-          <a:p>
-            <a:pPr lvl="2"/>
             <a:endParaRPr lang="en-US" dirty="0"/>
           </a:p>
         </p:txBody>
@@ -10713,13 +10703,20 @@
     </p:spTree>
     <p:extLst>
       <p:ext uri="{BB962C8B-B14F-4D97-AF65-F5344CB8AC3E}">
-        <p14:creationId xmlns:p14="http://schemas.microsoft.com/office/powerpoint/2010/main" val="3216168168"/>
+        <p14:creationId xmlns:p14="http://schemas.microsoft.com/office/powerpoint/2010/main" val="1980368106"/>
       </p:ext>
     </p:extLst>
   </p:cSld>
   <p:clrMapOvr>
     <a:masterClrMapping/>
   </p:clrMapOvr>
+  <p:timing>
+    <p:tnLst>
+      <p:par>
+        <p:cTn id="1" dur="indefinite" restart="never" nodeType="tmRoot"/>
+      </p:par>
+    </p:tnLst>
+  </p:timing>
 </p:sld>
 </file>
 
@@ -11080,6 +11077,13 @@
   <p:clrMapOvr>
     <a:masterClrMapping/>
   </p:clrMapOvr>
+  <p:timing>
+    <p:tnLst>
+      <p:par>
+        <p:cTn id="1" dur="indefinite" restart="never" nodeType="tmRoot"/>
+      </p:par>
+    </p:tnLst>
+  </p:timing>
 </p:sld>
 </file>
 
@@ -11120,223 +11124,304 @@
               <a:t>DSP-C: </a:t>
             </a:r>
             <a:r>
-              <a:rPr lang="nl-BE" dirty="0" err="1"/>
-              <a:t>other</a:t>
-            </a:r>
-            <a:r>
-              <a:rPr lang="nl-BE" dirty="0"/>
+              <a:rPr lang="nl-BE" dirty="0" err="1" smtClean="0"/>
+              <a:t>results</a:t>
+            </a:r>
+            <a:endParaRPr lang="en-US" dirty="0"/>
+          </a:p>
+        </p:txBody>
+      </p:sp>
+      <p:sp>
+        <p:nvSpPr>
+          <p:cNvPr id="3" name="Content Placeholder 2"/>
+          <p:cNvSpPr>
+            <a:spLocks noGrp="1"/>
+          </p:cNvSpPr>
+          <p:nvPr>
+            <p:ph idx="1"/>
+          </p:nvPr>
+        </p:nvSpPr>
+        <p:spPr/>
+        <p:txBody>
+          <a:bodyPr/>
+          <a:lstStyle/>
+          <a:p>
+            <a:r>
+              <a:rPr lang="nl-BE" dirty="0">
+                <a:sym typeface="Wingdings" panose="05000000000000000000" pitchFamily="2" charset="2"/>
+              </a:rPr>
+              <a:t> Total </a:t>
+            </a:r>
+            <a:r>
+              <a:rPr lang="nl-BE" dirty="0" err="1">
+                <a:sym typeface="Wingdings" panose="05000000000000000000" pitchFamily="2" charset="2"/>
+              </a:rPr>
+              <a:t>results</a:t>
+            </a:r>
+            <a:r>
+              <a:rPr lang="nl-BE" dirty="0">
+                <a:sym typeface="Wingdings" panose="05000000000000000000" pitchFamily="2" charset="2"/>
+              </a:rPr>
+              <a:t>:</a:t>
+            </a:r>
+          </a:p>
+          <a:p>
+            <a:pPr lvl="1"/>
+            <a:r>
+              <a:rPr lang="nl-BE" dirty="0">
+                <a:sym typeface="Wingdings" panose="05000000000000000000" pitchFamily="2" charset="2"/>
+              </a:rPr>
+              <a:t>Speed-up: 21,8M  3,2M</a:t>
+            </a:r>
+          </a:p>
+          <a:p>
+            <a:pPr lvl="2"/>
+            <a:r>
+              <a:rPr lang="nl-BE" dirty="0">
+                <a:sym typeface="Wingdings" panose="05000000000000000000" pitchFamily="2" charset="2"/>
+              </a:rPr>
+              <a:t>= 85%   or  speed x 6,8</a:t>
+            </a:r>
+          </a:p>
+          <a:p>
+            <a:pPr lvl="2"/>
+            <a:r>
+              <a:rPr lang="nl-BE" dirty="0" err="1">
+                <a:sym typeface="Wingdings" panose="05000000000000000000" pitchFamily="2" charset="2"/>
+              </a:rPr>
+              <a:t>Including</a:t>
+            </a:r>
+            <a:r>
+              <a:rPr lang="nl-BE" dirty="0">
+                <a:sym typeface="Wingdings" panose="05000000000000000000" pitchFamily="2" charset="2"/>
+              </a:rPr>
               <a:t> </a:t>
             </a:r>
             <a:r>
-              <a:rPr lang="nl-BE" dirty="0" err="1"/>
-              <a:t>improvements</a:t>
-            </a:r>
-            <a:endParaRPr lang="en-US" dirty="0"/>
-          </a:p>
-        </p:txBody>
-      </p:sp>
-      <p:sp>
-        <p:nvSpPr>
-          <p:cNvPr id="3" name="Content Placeholder 2"/>
-          <p:cNvSpPr>
-            <a:spLocks noGrp="1"/>
-          </p:cNvSpPr>
-          <p:nvPr>
-            <p:ph idx="1"/>
-          </p:nvPr>
-        </p:nvSpPr>
-        <p:spPr/>
-        <p:txBody>
-          <a:bodyPr/>
-          <a:lstStyle/>
-          <a:p>
-            <a:r>
-              <a:rPr lang="nl-BE" dirty="0" err="1"/>
-              <a:t>Hardcoding</a:t>
-            </a:r>
-            <a:r>
-              <a:rPr lang="nl-BE" dirty="0"/>
-              <a:t> filter </a:t>
-            </a:r>
-            <a:r>
-              <a:rPr lang="nl-BE" dirty="0" err="1"/>
-              <a:t>coeffs</a:t>
-            </a:r>
-            <a:r>
-              <a:rPr lang="nl-BE" dirty="0"/>
-              <a:t> in code</a:t>
-            </a:r>
-          </a:p>
-          <a:p>
-            <a:r>
-              <a:rPr lang="nl-BE" dirty="0" err="1"/>
-              <a:t>Must_iterate</a:t>
-            </a:r>
-            <a:r>
-              <a:rPr lang="nl-BE" dirty="0"/>
-              <a:t>, </a:t>
-            </a:r>
-            <a:r>
-              <a:rPr lang="nl-BE" dirty="0" err="1"/>
-              <a:t>unroll</a:t>
-            </a:r>
-            <a:r>
-              <a:rPr lang="nl-BE" dirty="0"/>
+              <a:rPr lang="nl-BE" dirty="0" err="1">
+                <a:sym typeface="Wingdings" panose="05000000000000000000" pitchFamily="2" charset="2"/>
+              </a:rPr>
+              <a:t>original</a:t>
+            </a:r>
+            <a:r>
+              <a:rPr lang="nl-BE" dirty="0">
+                <a:sym typeface="Wingdings" panose="05000000000000000000" pitchFamily="2" charset="2"/>
+              </a:rPr>
+              <a:t> x 2: </a:t>
+            </a:r>
+            <a:r>
+              <a:rPr lang="nl-BE" u="sng" dirty="0" smtClean="0">
+                <a:sym typeface="Wingdings" panose="05000000000000000000" pitchFamily="2" charset="2"/>
+              </a:rPr>
+              <a:t>13,6</a:t>
+            </a:r>
+          </a:p>
+          <a:p>
+            <a:pPr lvl="1"/>
+            <a:r>
+              <a:rPr lang="nl-BE" dirty="0" smtClean="0">
+                <a:sym typeface="Wingdings" panose="05000000000000000000" pitchFamily="2" charset="2"/>
+              </a:rPr>
+              <a:t> bottleneck = </a:t>
+            </a:r>
+            <a:r>
+              <a:rPr lang="nl-BE" dirty="0" err="1" smtClean="0">
+                <a:sym typeface="Wingdings" panose="05000000000000000000" pitchFamily="2" charset="2"/>
+              </a:rPr>
+              <a:t>writing</a:t>
+            </a:r>
+            <a:r>
+              <a:rPr lang="nl-BE" dirty="0" smtClean="0">
+                <a:sym typeface="Wingdings" panose="05000000000000000000" pitchFamily="2" charset="2"/>
+              </a:rPr>
+              <a:t> output</a:t>
+            </a:r>
+            <a:endParaRPr lang="nl-BE" dirty="0">
+              <a:sym typeface="Wingdings" panose="05000000000000000000" pitchFamily="2" charset="2"/>
+            </a:endParaRPr>
+          </a:p>
+          <a:p>
+            <a:r>
+              <a:rPr lang="nl-BE" dirty="0" err="1">
+                <a:sym typeface="Wingdings" panose="05000000000000000000" pitchFamily="2" charset="2"/>
+              </a:rPr>
+              <a:t>Cheating</a:t>
+            </a:r>
+            <a:r>
+              <a:rPr lang="nl-BE" dirty="0">
+                <a:sym typeface="Wingdings" panose="05000000000000000000" pitchFamily="2" charset="2"/>
+              </a:rPr>
+              <a:t> mono input(?):</a:t>
+            </a:r>
+          </a:p>
+          <a:p>
+            <a:pPr lvl="1"/>
+            <a:r>
+              <a:rPr lang="nl-BE" dirty="0">
+                <a:sym typeface="Wingdings" panose="05000000000000000000" pitchFamily="2" charset="2"/>
+              </a:rPr>
+              <a:t>Mono </a:t>
+            </a:r>
+            <a:r>
+              <a:rPr lang="nl-BE" dirty="0" err="1">
+                <a:sym typeface="Wingdings" panose="05000000000000000000" pitchFamily="2" charset="2"/>
+              </a:rPr>
+              <a:t>implementation</a:t>
+            </a:r>
+            <a:r>
+              <a:rPr lang="nl-BE" dirty="0">
+                <a:sym typeface="Wingdings" panose="05000000000000000000" pitchFamily="2" charset="2"/>
+              </a:rPr>
+              <a:t>:</a:t>
+            </a:r>
+          </a:p>
+          <a:p>
+            <a:pPr lvl="2"/>
+            <a:r>
+              <a:rPr lang="nl-BE" dirty="0">
+                <a:sym typeface="Wingdings" panose="05000000000000000000" pitchFamily="2" charset="2"/>
+              </a:rPr>
+              <a:t>As long as input is mono: </a:t>
+            </a:r>
+          </a:p>
+          <a:p>
+            <a:pPr lvl="3"/>
+            <a:r>
+              <a:rPr lang="nl-BE" sz="2000" dirty="0">
+                <a:sym typeface="Wingdings" panose="05000000000000000000" pitchFamily="2" charset="2"/>
+              </a:rPr>
+              <a:t>(de)</a:t>
+            </a:r>
+            <a:r>
+              <a:rPr lang="nl-BE" sz="2000" dirty="0" err="1">
+                <a:sym typeface="Wingdings" panose="05000000000000000000" pitchFamily="2" charset="2"/>
+              </a:rPr>
+              <a:t>quantize</a:t>
+            </a:r>
+            <a:r>
+              <a:rPr lang="nl-BE" sz="2000" dirty="0">
+                <a:sym typeface="Wingdings" panose="05000000000000000000" pitchFamily="2" charset="2"/>
+              </a:rPr>
               <a:t> </a:t>
             </a:r>
             <a:r>
-              <a:rPr lang="nl-BE" dirty="0" err="1"/>
-              <a:t>pragmas</a:t>
-            </a:r>
-            <a:endParaRPr lang="nl-BE" dirty="0"/>
-          </a:p>
-          <a:p>
-            <a:r>
-              <a:rPr lang="nl-BE" dirty="0" err="1"/>
-              <a:t>Data_align</a:t>
-            </a:r>
-            <a:r>
-              <a:rPr lang="nl-BE" dirty="0"/>
-              <a:t>: no </a:t>
-            </a:r>
-            <a:r>
-              <a:rPr lang="nl-BE" dirty="0" err="1"/>
-              <a:t>noteworthy</a:t>
-            </a:r>
-            <a:r>
-              <a:rPr lang="nl-BE" dirty="0"/>
+              <a:rPr lang="nl-BE" sz="2000" dirty="0" err="1">
+                <a:sym typeface="Wingdings" panose="05000000000000000000" pitchFamily="2" charset="2"/>
+              </a:rPr>
+              <a:t>only</a:t>
+            </a:r>
+            <a:r>
+              <a:rPr lang="nl-BE" sz="2000" dirty="0">
+                <a:sym typeface="Wingdings" panose="05000000000000000000" pitchFamily="2" charset="2"/>
+              </a:rPr>
               <a:t> </a:t>
             </a:r>
             <a:r>
-              <a:rPr lang="nl-BE" dirty="0" err="1"/>
-              <a:t>gain</a:t>
-            </a:r>
-            <a:endParaRPr lang="nl-BE" dirty="0"/>
-          </a:p>
-          <a:p>
-            <a:r>
-              <a:rPr lang="nl-BE" dirty="0" err="1"/>
-              <a:t>Some</a:t>
-            </a:r>
-            <a:r>
-              <a:rPr lang="nl-BE" dirty="0"/>
+              <a:rPr lang="nl-BE" sz="2000" dirty="0" err="1">
+                <a:sym typeface="Wingdings" panose="05000000000000000000" pitchFamily="2" charset="2"/>
+              </a:rPr>
+              <a:t>one</a:t>
+            </a:r>
+            <a:r>
+              <a:rPr lang="nl-BE" sz="2000" dirty="0">
+                <a:sym typeface="Wingdings" panose="05000000000000000000" pitchFamily="2" charset="2"/>
+              </a:rPr>
               <a:t> </a:t>
             </a:r>
             <a:r>
-              <a:rPr lang="nl-BE" dirty="0" err="1"/>
-              <a:t>intrinsics</a:t>
-            </a:r>
-            <a:r>
-              <a:rPr lang="nl-BE" dirty="0"/>
-              <a:t> e.g. _</a:t>
-            </a:r>
-            <a:r>
-              <a:rPr lang="nl-BE" dirty="0" err="1"/>
-              <a:t>abs</a:t>
-            </a:r>
-            <a:endParaRPr lang="nl-BE" dirty="0"/>
-          </a:p>
-          <a:p>
-            <a:r>
-              <a:rPr lang="nl-BE" dirty="0"/>
-              <a:t>‘</a:t>
-            </a:r>
-            <a:r>
-              <a:rPr lang="nl-BE" dirty="0" err="1"/>
-              <a:t>near</a:t>
-            </a:r>
-            <a:r>
-              <a:rPr lang="nl-BE" dirty="0"/>
-              <a:t>’/‘</a:t>
-            </a:r>
-            <a:r>
-              <a:rPr lang="nl-BE" dirty="0" err="1"/>
-              <a:t>const</a:t>
-            </a:r>
-            <a:r>
-              <a:rPr lang="nl-BE" dirty="0"/>
-              <a:t>’ variables</a:t>
-            </a:r>
-          </a:p>
-          <a:p>
-            <a:r>
-              <a:rPr lang="nl-BE" dirty="0" err="1"/>
-              <a:t>Some</a:t>
-            </a:r>
-            <a:r>
-              <a:rPr lang="nl-BE" dirty="0"/>
-              <a:t> </a:t>
-            </a:r>
-            <a:r>
-              <a:rPr lang="nl-BE" dirty="0" err="1"/>
-              <a:t>function</a:t>
-            </a:r>
-            <a:r>
-              <a:rPr lang="nl-BE" dirty="0"/>
-              <a:t> </a:t>
-            </a:r>
-            <a:r>
-              <a:rPr lang="nl-BE" dirty="0" err="1"/>
-              <a:t>inlining</a:t>
-            </a:r>
-            <a:endParaRPr lang="nl-BE" dirty="0"/>
-          </a:p>
-          <a:p>
-            <a:r>
-              <a:rPr lang="nl-BE" dirty="0" err="1"/>
-              <a:t>Inlining</a:t>
-            </a:r>
-            <a:r>
-              <a:rPr lang="nl-BE" dirty="0"/>
-              <a:t> analysis/</a:t>
-            </a:r>
-            <a:r>
-              <a:rPr lang="nl-BE" dirty="0" err="1"/>
-              <a:t>synthesis</a:t>
-            </a:r>
-            <a:r>
-              <a:rPr lang="nl-BE" dirty="0"/>
-              <a:t>: 300k </a:t>
-            </a:r>
-            <a:r>
-              <a:rPr lang="nl-BE" dirty="0" err="1"/>
-              <a:t>gain</a:t>
-            </a:r>
-            <a:r>
-              <a:rPr lang="nl-BE" dirty="0"/>
-              <a:t>, </a:t>
-            </a:r>
-          </a:p>
-          <a:p>
-            <a:pPr lvl="1"/>
-            <a:r>
-              <a:rPr lang="nl-BE" dirty="0" err="1"/>
-              <a:t>Reverted</a:t>
-            </a:r>
-            <a:r>
-              <a:rPr lang="nl-BE" dirty="0"/>
-              <a:t> </a:t>
-            </a:r>
-            <a:r>
-              <a:rPr lang="nl-BE" dirty="0" err="1"/>
-              <a:t>for</a:t>
-            </a:r>
-            <a:r>
-              <a:rPr lang="nl-BE" dirty="0"/>
-              <a:t> </a:t>
-            </a:r>
-            <a:r>
-              <a:rPr lang="nl-BE" dirty="0" err="1"/>
-              <a:t>cleanliness</a:t>
-            </a:r>
-            <a:r>
-              <a:rPr lang="nl-BE" dirty="0"/>
-              <a:t> &amp; </a:t>
-            </a:r>
-            <a:r>
-              <a:rPr lang="nl-BE" dirty="0" err="1"/>
+              <a:rPr lang="nl-BE" sz="2000" dirty="0" err="1">
+                <a:sym typeface="Wingdings" panose="05000000000000000000" pitchFamily="2" charset="2"/>
+              </a:rPr>
+              <a:t>channel</a:t>
+            </a:r>
+            <a:r>
+              <a:rPr lang="nl-BE" sz="2000" dirty="0">
+                <a:sym typeface="Wingdings" panose="05000000000000000000" pitchFamily="2" charset="2"/>
+              </a:rPr>
+              <a:t> &amp; copy</a:t>
+            </a:r>
+          </a:p>
+          <a:p>
+            <a:pPr marL="988400" lvl="3" indent="0">
+              <a:buNone/>
+            </a:pPr>
+            <a:r>
+              <a:rPr lang="nl-BE" sz="2000" dirty="0">
+                <a:sym typeface="Wingdings" panose="05000000000000000000" pitchFamily="2" charset="2"/>
+              </a:rPr>
+              <a:t>	 2,7M (16%)</a:t>
+            </a:r>
+          </a:p>
+          <a:p>
+            <a:pPr lvl="3"/>
+            <a:r>
+              <a:rPr lang="nl-BE" sz="2000" dirty="0">
+                <a:sym typeface="Wingdings" panose="05000000000000000000" pitchFamily="2" charset="2"/>
+              </a:rPr>
+              <a:t>At </a:t>
+            </a:r>
+            <a:r>
+              <a:rPr lang="nl-BE" sz="2000" dirty="0" err="1">
+                <a:sym typeface="Wingdings" panose="05000000000000000000" pitchFamily="2" charset="2"/>
+              </a:rPr>
+              <a:t>expense</a:t>
+            </a:r>
+            <a:r>
+              <a:rPr lang="nl-BE" sz="2000" dirty="0">
+                <a:sym typeface="Wingdings" panose="05000000000000000000" pitchFamily="2" charset="2"/>
+              </a:rPr>
+              <a:t> of </a:t>
+            </a:r>
+            <a:r>
+              <a:rPr lang="nl-BE" sz="2000" dirty="0" err="1">
+                <a:sym typeface="Wingdings" panose="05000000000000000000" pitchFamily="2" charset="2"/>
+              </a:rPr>
+              <a:t>slightly</a:t>
+            </a:r>
+            <a:r>
+              <a:rPr lang="nl-BE" sz="2000" dirty="0">
+                <a:sym typeface="Wingdings" panose="05000000000000000000" pitchFamily="2" charset="2"/>
+              </a:rPr>
+              <a:t> more code (2% of </a:t>
+            </a:r>
+            <a:r>
+              <a:rPr lang="nl-BE" sz="2000" dirty="0" err="1">
+                <a:sym typeface="Wingdings" panose="05000000000000000000" pitchFamily="2" charset="2"/>
+              </a:rPr>
               <a:t>space</a:t>
             </a:r>
+            <a:r>
+              <a:rPr lang="nl-BE" sz="2000" dirty="0">
+                <a:sym typeface="Wingdings" panose="05000000000000000000" pitchFamily="2" charset="2"/>
+              </a:rPr>
+              <a:t>)</a:t>
+            </a:r>
+          </a:p>
+          <a:p>
+            <a:pPr lvl="2"/>
+            <a:endParaRPr lang="en-US" sz="2800" dirty="0">
+              <a:sym typeface="Wingdings" panose="05000000000000000000" pitchFamily="2" charset="2"/>
+            </a:endParaRPr>
+          </a:p>
+          <a:p>
+            <a:pPr lvl="2"/>
+            <a:endParaRPr lang="en-US" dirty="0">
+              <a:sym typeface="Wingdings" panose="05000000000000000000" pitchFamily="2" charset="2"/>
+            </a:endParaRPr>
+          </a:p>
+          <a:p>
+            <a:endParaRPr lang="en-US" dirty="0">
+              <a:sym typeface="Wingdings" panose="05000000000000000000" pitchFamily="2" charset="2"/>
+            </a:endParaRPr>
+          </a:p>
+          <a:p>
+            <a:pPr lvl="2"/>
+            <a:endParaRPr lang="en-US" sz="2400" dirty="0">
+              <a:sym typeface="Wingdings" panose="05000000000000000000" pitchFamily="2" charset="2"/>
+            </a:endParaRPr>
+          </a:p>
+          <a:p>
+            <a:pPr lvl="2"/>
             <a:endParaRPr lang="en-US" dirty="0"/>
           </a:p>
         </p:txBody>
@@ -11344,13 +11429,20 @@
     </p:spTree>
     <p:extLst>
       <p:ext uri="{BB962C8B-B14F-4D97-AF65-F5344CB8AC3E}">
-        <p14:creationId xmlns:p14="http://schemas.microsoft.com/office/powerpoint/2010/main" val="1980368106"/>
+        <p14:creationId xmlns:p14="http://schemas.microsoft.com/office/powerpoint/2010/main" val="3216168168"/>
       </p:ext>
     </p:extLst>
   </p:cSld>
   <p:clrMapOvr>
     <a:masterClrMapping/>
   </p:clrMapOvr>
+  <p:timing>
+    <p:tnLst>
+      <p:par>
+        <p:cTn id="1" dur="indefinite" restart="never" nodeType="tmRoot"/>
+      </p:par>
+    </p:tnLst>
+  </p:timing>
 </p:sld>
 </file>
 
@@ -11465,6 +11557,13 @@
   <p:clrMapOvr>
     <a:masterClrMapping/>
   </p:clrMapOvr>
+  <p:timing>
+    <p:tnLst>
+      <p:par>
+        <p:cTn id="1" dur="indefinite" restart="never" nodeType="tmRoot"/>
+      </p:par>
+    </p:tnLst>
+  </p:timing>
 </p:sld>
 </file>
 
@@ -11663,6 +11762,13 @@
   <p:clrMapOvr>
     <a:masterClrMapping/>
   </p:clrMapOvr>
+  <p:timing>
+    <p:tnLst>
+      <p:par>
+        <p:cTn id="1" dur="indefinite" restart="never" nodeType="tmRoot"/>
+      </p:par>
+    </p:tnLst>
+  </p:timing>
 </p:sld>
 </file>
 
@@ -11731,6 +11837,13 @@
   <p:clrMapOvr>
     <a:masterClrMapping/>
   </p:clrMapOvr>
+  <p:timing>
+    <p:tnLst>
+      <p:par>
+        <p:cTn id="1" dur="indefinite" restart="never" nodeType="tmRoot"/>
+      </p:par>
+    </p:tnLst>
+  </p:timing>
 </p:sld>
 </file>
 
@@ -11927,6 +12040,13 @@
       <p:transition spd="slow"/>
     </mc:Fallback>
   </mc:AlternateContent>
+  <p:timing>
+    <p:tnLst>
+      <p:par>
+        <p:cTn id="1" dur="indefinite" restart="never" nodeType="tmRoot"/>
+      </p:par>
+    </p:tnLst>
+  </p:timing>
 </p:sld>
 </file>
 
@@ -12133,6 +12253,13 @@
   <p:clrMapOvr>
     <a:masterClrMapping/>
   </p:clrMapOvr>
+  <p:timing>
+    <p:tnLst>
+      <p:par>
+        <p:cTn id="1" dur="indefinite" restart="never" nodeType="tmRoot"/>
+      </p:par>
+    </p:tnLst>
+  </p:timing>
 </p:sld>
 </file>
 
@@ -12438,6 +12565,13 @@
   <p:clrMapOvr>
     <a:masterClrMapping/>
   </p:clrMapOvr>
+  <p:timing>
+    <p:tnLst>
+      <p:par>
+        <p:cTn id="1" dur="indefinite" restart="never" nodeType="tmRoot"/>
+      </p:par>
+    </p:tnLst>
+  </p:timing>
 </p:sld>
 </file>
 
@@ -12816,6 +12950,13 @@
   <p:clrMapOvr>
     <a:masterClrMapping/>
   </p:clrMapOvr>
+  <p:timing>
+    <p:tnLst>
+      <p:par>
+        <p:cTn id="1" dur="indefinite" restart="never" nodeType="tmRoot"/>
+      </p:par>
+    </p:tnLst>
+  </p:timing>
 </p:sld>
 </file>
 
@@ -13108,6 +13249,13 @@
   <p:clrMapOvr>
     <a:masterClrMapping/>
   </p:clrMapOvr>
+  <p:timing>
+    <p:tnLst>
+      <p:par>
+        <p:cTn id="1" dur="indefinite" restart="never" nodeType="tmRoot"/>
+      </p:par>
+    </p:tnLst>
+  </p:timing>
 </p:sld>
 </file>
 
@@ -13283,6 +13431,13 @@
   <p:clrMapOvr>
     <a:masterClrMapping/>
   </p:clrMapOvr>
+  <p:timing>
+    <p:tnLst>
+      <p:par>
+        <p:cTn id="1" dur="indefinite" restart="never" nodeType="tmRoot"/>
+      </p:par>
+    </p:tnLst>
+  </p:timing>
 </p:sld>
 </file>
 
@@ -13462,6 +13617,13 @@
   <p:clrMapOvr>
     <a:masterClrMapping/>
   </p:clrMapOvr>
+  <p:timing>
+    <p:tnLst>
+      <p:par>
+        <p:cTn id="1" dur="indefinite" restart="never" nodeType="tmRoot"/>
+      </p:par>
+    </p:tnLst>
+  </p:timing>
 </p:sld>
 </file>
 
